--- a/files/day2_materials/slides_day2.pptx
+++ b/files/day2_materials/slides_day2.pptx
@@ -5,7 +5,7 @@
     <p:sldMasterId id="2147483660" r:id="rId1"/>
   </p:sldMasterIdLst>
   <p:notesMasterIdLst>
-    <p:notesMasterId r:id="rId48"/>
+    <p:notesMasterId r:id="rId33"/>
   </p:notesMasterIdLst>
   <p:sldIdLst>
     <p:sldId id="256" r:id="rId2"/>
@@ -39,21 +39,6 @@
     <p:sldId id="399" r:id="rId30"/>
     <p:sldId id="381" r:id="rId31"/>
     <p:sldId id="441" r:id="rId32"/>
-    <p:sldId id="422" r:id="rId33"/>
-    <p:sldId id="423" r:id="rId34"/>
-    <p:sldId id="424" r:id="rId35"/>
-    <p:sldId id="425" r:id="rId36"/>
-    <p:sldId id="426" r:id="rId37"/>
-    <p:sldId id="427" r:id="rId38"/>
-    <p:sldId id="431" r:id="rId39"/>
-    <p:sldId id="432" r:id="rId40"/>
-    <p:sldId id="433" r:id="rId41"/>
-    <p:sldId id="434" r:id="rId42"/>
-    <p:sldId id="435" r:id="rId43"/>
-    <p:sldId id="437" r:id="rId44"/>
-    <p:sldId id="438" r:id="rId45"/>
-    <p:sldId id="439" r:id="rId46"/>
-    <p:sldId id="440" r:id="rId47"/>
   </p:sldIdLst>
   <p:sldSz cx="9144000" cy="6858000" type="screen4x3"/>
   <p:notesSz cx="6858000" cy="9144000"/>
@@ -237,7 +222,7 @@
           <a:p>
             <a:fld id="{F833E4A7-8C8F-0444-B05A-6DE0ED7B35B0}" type="datetimeFigureOut">
               <a:rPr lang="en-US" smtClean="0"/>
-              <a:t>5/11/16</a:t>
+              <a:t>5/23/16</a:t>
             </a:fld>
             <a:endParaRPr lang="en-US"/>
           </a:p>
@@ -698,7 +683,7 @@
           <a:p>
             <a:fld id="{CAF647BD-C221-1844-9ED2-A7F7759EF665}" type="datetimeFigureOut">
               <a:rPr lang="en-US" smtClean="0"/>
-              <a:t>5/11/16</a:t>
+              <a:t>5/23/16</a:t>
             </a:fld>
             <a:endParaRPr lang="en-US"/>
           </a:p>
@@ -963,7 +948,7 @@
           <a:p>
             <a:fld id="{CAF647BD-C221-1844-9ED2-A7F7759EF665}" type="datetimeFigureOut">
               <a:rPr lang="en-US" smtClean="0"/>
-              <a:t>5/11/16</a:t>
+              <a:t>5/23/16</a:t>
             </a:fld>
             <a:endParaRPr lang="en-US"/>
           </a:p>
@@ -1138,7 +1123,7 @@
           <a:p>
             <a:fld id="{CAF647BD-C221-1844-9ED2-A7F7759EF665}" type="datetimeFigureOut">
               <a:rPr lang="en-US" smtClean="0"/>
-              <a:t>5/11/16</a:t>
+              <a:t>5/23/16</a:t>
             </a:fld>
             <a:endParaRPr lang="en-US"/>
           </a:p>
@@ -1303,7 +1288,7 @@
           <a:p>
             <a:fld id="{CAF647BD-C221-1844-9ED2-A7F7759EF665}" type="datetimeFigureOut">
               <a:rPr lang="en-US" smtClean="0"/>
-              <a:t>5/11/16</a:t>
+              <a:t>5/23/16</a:t>
             </a:fld>
             <a:endParaRPr lang="en-US"/>
           </a:p>
@@ -1552,7 +1537,7 @@
           <a:p>
             <a:fld id="{CAF647BD-C221-1844-9ED2-A7F7759EF665}" type="datetimeFigureOut">
               <a:rPr lang="en-US" smtClean="0"/>
-              <a:t>5/11/16</a:t>
+              <a:t>5/23/16</a:t>
             </a:fld>
             <a:endParaRPr lang="en-US"/>
           </a:p>
@@ -1835,7 +1820,7 @@
           <a:p>
             <a:fld id="{CAF647BD-C221-1844-9ED2-A7F7759EF665}" type="datetimeFigureOut">
               <a:rPr lang="en-US" smtClean="0"/>
-              <a:t>5/11/16</a:t>
+              <a:t>5/23/16</a:t>
             </a:fld>
             <a:endParaRPr lang="en-US"/>
           </a:p>
@@ -2274,7 +2259,7 @@
           <a:p>
             <a:fld id="{CAF647BD-C221-1844-9ED2-A7F7759EF665}" type="datetimeFigureOut">
               <a:rPr lang="en-US" smtClean="0"/>
-              <a:t>5/11/16</a:t>
+              <a:t>5/23/16</a:t>
             </a:fld>
             <a:endParaRPr lang="en-US"/>
           </a:p>
@@ -2387,7 +2372,7 @@
           <a:p>
             <a:fld id="{CAF647BD-C221-1844-9ED2-A7F7759EF665}" type="datetimeFigureOut">
               <a:rPr lang="en-US" smtClean="0"/>
-              <a:t>5/11/16</a:t>
+              <a:t>5/23/16</a:t>
             </a:fld>
             <a:endParaRPr lang="en-US"/>
           </a:p>
@@ -2477,7 +2462,7 @@
           <a:p>
             <a:fld id="{CAF647BD-C221-1844-9ED2-A7F7759EF665}" type="datetimeFigureOut">
               <a:rPr lang="en-US" smtClean="0"/>
-              <a:t>5/11/16</a:t>
+              <a:t>5/23/16</a:t>
             </a:fld>
             <a:endParaRPr lang="en-US"/>
           </a:p>
@@ -2719,7 +2704,7 @@
           <a:p>
             <a:fld id="{CAF647BD-C221-1844-9ED2-A7F7759EF665}" type="datetimeFigureOut">
               <a:rPr lang="en-US" smtClean="0"/>
-              <a:t>5/11/16</a:t>
+              <a:t>5/23/16</a:t>
             </a:fld>
             <a:endParaRPr lang="en-US"/>
           </a:p>
@@ -3013,7 +2998,7 @@
           <a:p>
             <a:fld id="{CAF647BD-C221-1844-9ED2-A7F7759EF665}" type="datetimeFigureOut">
               <a:rPr lang="en-US" smtClean="0"/>
-              <a:t>5/11/16</a:t>
+              <a:t>5/23/16</a:t>
             </a:fld>
             <a:endParaRPr lang="en-US"/>
           </a:p>
@@ -3307,7 +3292,7 @@
           <a:p>
             <a:fld id="{CAF647BD-C221-1844-9ED2-A7F7759EF665}" type="datetimeFigureOut">
               <a:rPr lang="en-US" smtClean="0"/>
-              <a:t>5/11/16</a:t>
+              <a:t>5/23/16</a:t>
             </a:fld>
             <a:endParaRPr lang="en-US"/>
           </a:p>
@@ -3848,7 +3833,7 @@
           <a:p>
             <a:r>
               <a:rPr lang="en-US" dirty="0" smtClean="0"/>
-              <a:t>Big data in biology summer school, 2015</a:t>
+              <a:t>Big data in biology summer school, 2016</a:t>
             </a:r>
           </a:p>
           <a:p>
@@ -5324,19 +5309,7 @@
                 <a:latin typeface="Monaco"/>
                 <a:cs typeface="Monaco"/>
               </a:rPr>
-              <a:t>   </a:t>
-            </a:r>
-            <a:r>
-              <a:rPr lang="en-US" dirty="0">
-                <a:solidFill>
-                  <a:schemeClr val="bg1">
-                    <a:lumMod val="65000"/>
-                  </a:schemeClr>
-                </a:solidFill>
-                <a:latin typeface="Monaco"/>
-                <a:cs typeface="Monaco"/>
-              </a:rPr>
-              <a:t>96.8</a:t>
+              <a:t>   96.8</a:t>
             </a:r>
           </a:p>
           <a:p>
@@ -8399,11 +8372,11 @@
   <p:clrMapOvr>
     <a:masterClrMapping/>
   </p:clrMapOvr>
-  <mc:AlternateContent xmlns:mc="http://schemas.openxmlformats.org/markup-compatibility/2006">
-    <mc:Choice xmlns:p14="http://schemas.microsoft.com/office/powerpoint/2010/main" Requires="p14">
+  <mc:AlternateContent xmlns:mc="http://schemas.openxmlformats.org/markup-compatibility/2006" xmlns:p14="http://schemas.microsoft.com/office/powerpoint/2010/main">
+    <mc:Choice Requires="p14">
       <p:transition spd="slow" p14:dur="2000"/>
     </mc:Choice>
-    <mc:Fallback>
+    <mc:Fallback xmlns="">
       <p:transition xmlns:p14="http://schemas.microsoft.com/office/powerpoint/2010/main" spd="slow"/>
     </mc:Fallback>
   </mc:AlternateContent>
@@ -11309,2764 +11282,6 @@
     <p:extLst>
       <p:ext uri="{BB962C8B-B14F-4D97-AF65-F5344CB8AC3E}">
         <p14:creationId xmlns:p14="http://schemas.microsoft.com/office/powerpoint/2010/main" val="1038229450"/>
-      </p:ext>
-    </p:extLst>
-  </p:cSld>
-  <p:clrMapOvr>
-    <a:masterClrMapping/>
-  </p:clrMapOvr>
-  <p:timing>
-    <p:tnLst>
-      <p:par>
-        <p:cTn xmlns:p14="http://schemas.microsoft.com/office/powerpoint/2010/main" id="1" dur="indefinite" restart="never" nodeType="tmRoot"/>
-      </p:par>
-    </p:tnLst>
-  </p:timing>
-</p:sld>
-</file>
-
-<file path=ppt/slides/slide32.xml><?xml version="1.0" encoding="utf-8"?>
-<p:sld xmlns:a="http://schemas.openxmlformats.org/drawingml/2006/main" xmlns:r="http://schemas.openxmlformats.org/officeDocument/2006/relationships" xmlns:p="http://schemas.openxmlformats.org/presentationml/2006/main">
-  <p:cSld>
-    <p:spTree>
-      <p:nvGrpSpPr>
-        <p:cNvPr id="1" name=""/>
-        <p:cNvGrpSpPr/>
-        <p:nvPr/>
-      </p:nvGrpSpPr>
-      <p:grpSpPr>
-        <a:xfrm>
-          <a:off x="0" y="0"/>
-          <a:ext cx="0" cy="0"/>
-          <a:chOff x="0" y="0"/>
-          <a:chExt cx="0" cy="0"/>
-        </a:xfrm>
-      </p:grpSpPr>
-      <p:sp>
-        <p:nvSpPr>
-          <p:cNvPr id="2" name="Title 1"/>
-          <p:cNvSpPr>
-            <a:spLocks noGrp="1"/>
-          </p:cNvSpPr>
-          <p:nvPr>
-            <p:ph type="title"/>
-          </p:nvPr>
-        </p:nvSpPr>
-        <p:spPr/>
-        <p:txBody>
-          <a:bodyPr/>
-          <a:lstStyle/>
-          <a:p>
-            <a:r>
-              <a:rPr lang="en-US" dirty="0" smtClean="0"/>
-              <a:t>reading and writing files in python</a:t>
-            </a:r>
-            <a:endParaRPr lang="en-US" dirty="0"/>
-          </a:p>
-        </p:txBody>
-      </p:sp>
-      <p:sp>
-        <p:nvSpPr>
-          <p:cNvPr id="3" name="Content Placeholder 2"/>
-          <p:cNvSpPr>
-            <a:spLocks noGrp="1"/>
-          </p:cNvSpPr>
-          <p:nvPr>
-            <p:ph idx="1"/>
-          </p:nvPr>
-        </p:nvSpPr>
-        <p:spPr/>
-        <p:txBody>
-          <a:bodyPr/>
-          <a:lstStyle/>
-          <a:p>
-            <a:pPr marL="457200" indent="-457200">
-              <a:buFont typeface="Arial"/>
-              <a:buChar char="•"/>
-            </a:pPr>
-            <a:r>
-              <a:rPr lang="en-US" dirty="0" smtClean="0"/>
-              <a:t>This is where Python really shines!</a:t>
-            </a:r>
-            <a:endParaRPr lang="en-US" dirty="0"/>
-          </a:p>
-        </p:txBody>
-      </p:sp>
-    </p:spTree>
-    <p:extLst>
-      <p:ext uri="{BB962C8B-B14F-4D97-AF65-F5344CB8AC3E}">
-        <p14:creationId xmlns:p14="http://schemas.microsoft.com/office/powerpoint/2010/main" val="726079915"/>
-      </p:ext>
-    </p:extLst>
-  </p:cSld>
-  <p:clrMapOvr>
-    <a:masterClrMapping/>
-  </p:clrMapOvr>
-  <p:timing>
-    <p:tnLst>
-      <p:par>
-        <p:cTn xmlns:p14="http://schemas.microsoft.com/office/powerpoint/2010/main" id="1" dur="indefinite" restart="never" nodeType="tmRoot"/>
-      </p:par>
-    </p:tnLst>
-  </p:timing>
-</p:sld>
-</file>
-
-<file path=ppt/slides/slide33.xml><?xml version="1.0" encoding="utf-8"?>
-<p:sld xmlns:a="http://schemas.openxmlformats.org/drawingml/2006/main" xmlns:r="http://schemas.openxmlformats.org/officeDocument/2006/relationships" xmlns:p="http://schemas.openxmlformats.org/presentationml/2006/main">
-  <p:cSld>
-    <p:spTree>
-      <p:nvGrpSpPr>
-        <p:cNvPr id="1" name=""/>
-        <p:cNvGrpSpPr/>
-        <p:nvPr/>
-      </p:nvGrpSpPr>
-      <p:grpSpPr>
-        <a:xfrm>
-          <a:off x="0" y="0"/>
-          <a:ext cx="0" cy="0"/>
-          <a:chOff x="0" y="0"/>
-          <a:chExt cx="0" cy="0"/>
-        </a:xfrm>
-      </p:grpSpPr>
-      <p:sp>
-        <p:nvSpPr>
-          <p:cNvPr id="2" name="Title 1"/>
-          <p:cNvSpPr>
-            <a:spLocks noGrp="1"/>
-          </p:cNvSpPr>
-          <p:nvPr>
-            <p:ph type="title"/>
-          </p:nvPr>
-        </p:nvSpPr>
-        <p:spPr/>
-        <p:txBody>
-          <a:bodyPr/>
-          <a:lstStyle/>
-          <a:p>
-            <a:r>
-              <a:rPr lang="en-US" dirty="0" smtClean="0"/>
-              <a:t>reading and writing files in python</a:t>
-            </a:r>
-            <a:endParaRPr lang="en-US" dirty="0"/>
-          </a:p>
-        </p:txBody>
-      </p:sp>
-      <p:sp>
-        <p:nvSpPr>
-          <p:cNvPr id="3" name="Content Placeholder 2"/>
-          <p:cNvSpPr>
-            <a:spLocks noGrp="1"/>
-          </p:cNvSpPr>
-          <p:nvPr>
-            <p:ph idx="1"/>
-          </p:nvPr>
-        </p:nvSpPr>
-        <p:spPr/>
-        <p:txBody>
-          <a:bodyPr/>
-          <a:lstStyle/>
-          <a:p>
-            <a:pPr marL="457200" indent="-457200">
-              <a:buFont typeface="Arial"/>
-              <a:buChar char="•"/>
-            </a:pPr>
-            <a:r>
-              <a:rPr lang="en-US" dirty="0" smtClean="0"/>
-              <a:t>Python does not deal with files directly</a:t>
-            </a:r>
-          </a:p>
-          <a:p>
-            <a:pPr marL="914400" lvl="1" indent="-457200">
-              <a:buFont typeface="Arial"/>
-              <a:buChar char="•"/>
-            </a:pPr>
-            <a:r>
-              <a:rPr lang="en-US" dirty="0" smtClean="0"/>
-              <a:t>We interact with files via special variables, called </a:t>
-            </a:r>
-            <a:r>
-              <a:rPr lang="en-US" b="1" dirty="0" smtClean="0"/>
-              <a:t>handles</a:t>
-            </a:r>
-          </a:p>
-        </p:txBody>
-      </p:sp>
-    </p:spTree>
-    <p:extLst>
-      <p:ext uri="{BB962C8B-B14F-4D97-AF65-F5344CB8AC3E}">
-        <p14:creationId xmlns:p14="http://schemas.microsoft.com/office/powerpoint/2010/main" val="2900742895"/>
-      </p:ext>
-    </p:extLst>
-  </p:cSld>
-  <p:clrMapOvr>
-    <a:masterClrMapping/>
-  </p:clrMapOvr>
-  <p:timing>
-    <p:tnLst>
-      <p:par>
-        <p:cTn xmlns:p14="http://schemas.microsoft.com/office/powerpoint/2010/main" id="1" dur="indefinite" restart="never" nodeType="tmRoot"/>
-      </p:par>
-    </p:tnLst>
-  </p:timing>
-</p:sld>
-</file>
-
-<file path=ppt/slides/slide34.xml><?xml version="1.0" encoding="utf-8"?>
-<p:sld xmlns:a="http://schemas.openxmlformats.org/drawingml/2006/main" xmlns:r="http://schemas.openxmlformats.org/officeDocument/2006/relationships" xmlns:p="http://schemas.openxmlformats.org/presentationml/2006/main">
-  <p:cSld>
-    <p:spTree>
-      <p:nvGrpSpPr>
-        <p:cNvPr id="1" name=""/>
-        <p:cNvGrpSpPr/>
-        <p:nvPr/>
-      </p:nvGrpSpPr>
-      <p:grpSpPr>
-        <a:xfrm>
-          <a:off x="0" y="0"/>
-          <a:ext cx="0" cy="0"/>
-          <a:chOff x="0" y="0"/>
-          <a:chExt cx="0" cy="0"/>
-        </a:xfrm>
-      </p:grpSpPr>
-      <p:sp>
-        <p:nvSpPr>
-          <p:cNvPr id="2" name="Title 1"/>
-          <p:cNvSpPr>
-            <a:spLocks noGrp="1"/>
-          </p:cNvSpPr>
-          <p:nvPr>
-            <p:ph type="title"/>
-          </p:nvPr>
-        </p:nvSpPr>
-        <p:spPr/>
-        <p:txBody>
-          <a:bodyPr/>
-          <a:lstStyle/>
-          <a:p>
-            <a:r>
-              <a:rPr lang="en-US" dirty="0" smtClean="0"/>
-              <a:t>reading and writing files in python</a:t>
-            </a:r>
-            <a:endParaRPr lang="en-US" dirty="0"/>
-          </a:p>
-        </p:txBody>
-      </p:sp>
-      <p:sp>
-        <p:nvSpPr>
-          <p:cNvPr id="3" name="Content Placeholder 2"/>
-          <p:cNvSpPr>
-            <a:spLocks noGrp="1"/>
-          </p:cNvSpPr>
-          <p:nvPr>
-            <p:ph idx="1"/>
-          </p:nvPr>
-        </p:nvSpPr>
-        <p:spPr/>
-        <p:txBody>
-          <a:bodyPr/>
-          <a:lstStyle/>
-          <a:p>
-            <a:pPr marL="457200" indent="-457200">
-              <a:buFont typeface="Arial"/>
-              <a:buChar char="•"/>
-            </a:pPr>
-            <a:r>
-              <a:rPr lang="en-US" dirty="0" smtClean="0"/>
-              <a:t>Python does not deal with files directly</a:t>
-            </a:r>
-          </a:p>
-          <a:p>
-            <a:pPr marL="914400" lvl="1" indent="-457200">
-              <a:buFont typeface="Arial"/>
-              <a:buChar char="•"/>
-            </a:pPr>
-            <a:r>
-              <a:rPr lang="en-US" dirty="0" smtClean="0"/>
-              <a:t>We interact with files via special variables, called </a:t>
-            </a:r>
-            <a:r>
-              <a:rPr lang="en-US" b="1" dirty="0" smtClean="0"/>
-              <a:t>handles</a:t>
-            </a:r>
-          </a:p>
-          <a:p>
-            <a:pPr marL="914400" lvl="1" indent="-457200">
-              <a:buFont typeface="Arial"/>
-              <a:buChar char="•"/>
-            </a:pPr>
-            <a:endParaRPr lang="en-US" b="1" dirty="0"/>
-          </a:p>
-          <a:p>
-            <a:pPr marL="457200" indent="-457200">
-              <a:buFont typeface="Arial"/>
-              <a:buChar char="•"/>
-            </a:pPr>
-            <a:r>
-              <a:rPr lang="en-US" dirty="0" smtClean="0"/>
-              <a:t>Interact with files in 3 main </a:t>
-            </a:r>
-            <a:r>
-              <a:rPr lang="en-US" i="1" dirty="0" smtClean="0"/>
-              <a:t>modes</a:t>
-            </a:r>
-            <a:r>
-              <a:rPr lang="en-US" dirty="0" smtClean="0"/>
-              <a:t>:</a:t>
-            </a:r>
-          </a:p>
-          <a:p>
-            <a:pPr marL="914400" lvl="1" indent="-457200">
-              <a:buFont typeface="Arial"/>
-              <a:buChar char="•"/>
-            </a:pPr>
-            <a:r>
-              <a:rPr lang="en-US" dirty="0" smtClean="0"/>
-              <a:t>Read-only (</a:t>
-            </a:r>
-            <a:r>
-              <a:rPr lang="en-US" dirty="0" smtClean="0">
-                <a:latin typeface="Monaco"/>
-                <a:cs typeface="Monaco"/>
-              </a:rPr>
-              <a:t>"r"</a:t>
-            </a:r>
-            <a:r>
-              <a:rPr lang="en-US" dirty="0" smtClean="0"/>
-              <a:t>)</a:t>
-            </a:r>
-          </a:p>
-          <a:p>
-            <a:pPr marL="914400" lvl="1" indent="-457200">
-              <a:buFont typeface="Arial"/>
-              <a:buChar char="•"/>
-            </a:pPr>
-            <a:r>
-              <a:rPr lang="en-US" dirty="0" smtClean="0"/>
-              <a:t>Write-only (</a:t>
-            </a:r>
-            <a:r>
-              <a:rPr lang="en-US" dirty="0" smtClean="0">
-                <a:latin typeface="Monaco"/>
-                <a:cs typeface="Monaco"/>
-              </a:rPr>
-              <a:t>"w"</a:t>
-            </a:r>
-            <a:r>
-              <a:rPr lang="en-US" dirty="0" smtClean="0"/>
-              <a:t>)</a:t>
-            </a:r>
-          </a:p>
-          <a:p>
-            <a:pPr marL="914400" lvl="1" indent="-457200">
-              <a:buFont typeface="Arial"/>
-              <a:buChar char="•"/>
-            </a:pPr>
-            <a:r>
-              <a:rPr lang="en-US" dirty="0" smtClean="0"/>
-              <a:t>Append (</a:t>
-            </a:r>
-            <a:r>
-              <a:rPr lang="en-US" dirty="0" smtClean="0">
-                <a:latin typeface="Monaco"/>
-                <a:cs typeface="Monaco"/>
-              </a:rPr>
-              <a:t>"a"</a:t>
-            </a:r>
-            <a:r>
-              <a:rPr lang="en-US" dirty="0" smtClean="0"/>
-              <a:t>)</a:t>
-            </a:r>
-          </a:p>
-        </p:txBody>
-      </p:sp>
-    </p:spTree>
-    <p:extLst>
-      <p:ext uri="{BB962C8B-B14F-4D97-AF65-F5344CB8AC3E}">
-        <p14:creationId xmlns:p14="http://schemas.microsoft.com/office/powerpoint/2010/main" val="2580481493"/>
-      </p:ext>
-    </p:extLst>
-  </p:cSld>
-  <p:clrMapOvr>
-    <a:masterClrMapping/>
-  </p:clrMapOvr>
-  <p:timing>
-    <p:tnLst>
-      <p:par>
-        <p:cTn xmlns:p14="http://schemas.microsoft.com/office/powerpoint/2010/main" id="1" dur="indefinite" restart="never" nodeType="tmRoot"/>
-      </p:par>
-    </p:tnLst>
-  </p:timing>
-</p:sld>
-</file>
-
-<file path=ppt/slides/slide35.xml><?xml version="1.0" encoding="utf-8"?>
-<p:sld xmlns:a="http://schemas.openxmlformats.org/drawingml/2006/main" xmlns:r="http://schemas.openxmlformats.org/officeDocument/2006/relationships" xmlns:p="http://schemas.openxmlformats.org/presentationml/2006/main">
-  <p:cSld>
-    <p:spTree>
-      <p:nvGrpSpPr>
-        <p:cNvPr id="1" name=""/>
-        <p:cNvGrpSpPr/>
-        <p:nvPr/>
-      </p:nvGrpSpPr>
-      <p:grpSpPr>
-        <a:xfrm>
-          <a:off x="0" y="0"/>
-          <a:ext cx="0" cy="0"/>
-          <a:chOff x="0" y="0"/>
-          <a:chExt cx="0" cy="0"/>
-        </a:xfrm>
-      </p:grpSpPr>
-      <p:sp>
-        <p:nvSpPr>
-          <p:cNvPr id="2" name="Title 1"/>
-          <p:cNvSpPr>
-            <a:spLocks noGrp="1"/>
-          </p:cNvSpPr>
-          <p:nvPr>
-            <p:ph type="title"/>
-          </p:nvPr>
-        </p:nvSpPr>
-        <p:spPr/>
-        <p:txBody>
-          <a:bodyPr/>
-          <a:lstStyle/>
-          <a:p>
-            <a:r>
-              <a:rPr lang="en-US" dirty="0" smtClean="0"/>
-              <a:t>opening files for reading</a:t>
-            </a:r>
-            <a:endParaRPr lang="en-US" dirty="0"/>
-          </a:p>
-        </p:txBody>
-      </p:sp>
-      <p:sp>
-        <p:nvSpPr>
-          <p:cNvPr id="4" name="TextBox 3"/>
-          <p:cNvSpPr txBox="1"/>
-          <p:nvPr/>
-        </p:nvSpPr>
-        <p:spPr>
-          <a:xfrm>
-            <a:off x="457199" y="1727554"/>
-            <a:ext cx="8338444" cy="3416320"/>
-          </a:xfrm>
-          <a:prstGeom prst="rect">
-            <a:avLst/>
-          </a:prstGeom>
-          <a:noFill/>
-        </p:spPr>
-        <p:txBody>
-          <a:bodyPr wrap="square" rtlCol="0">
-            <a:spAutoFit/>
-          </a:bodyPr>
-          <a:lstStyle/>
-          <a:p>
-            <a:r>
-              <a:rPr lang="en-US" dirty="0" smtClean="0">
-                <a:latin typeface="Monaco"/>
-                <a:cs typeface="Monaco"/>
-              </a:rPr>
-              <a:t># Name of file to open</a:t>
-            </a:r>
-          </a:p>
-          <a:p>
-            <a:r>
-              <a:rPr lang="en-US" dirty="0" smtClean="0">
-                <a:latin typeface="Monaco"/>
-                <a:cs typeface="Monaco"/>
-              </a:rPr>
-              <a:t>filename = "my_file_with_important_stuff.txt"</a:t>
-            </a:r>
-          </a:p>
-          <a:p>
-            <a:endParaRPr lang="en-US" dirty="0">
-              <a:latin typeface="Monaco"/>
-              <a:cs typeface="Monaco"/>
-            </a:endParaRPr>
-          </a:p>
-          <a:p>
-            <a:r>
-              <a:rPr lang="en-US" dirty="0" smtClean="0">
-                <a:latin typeface="Monaco"/>
-                <a:cs typeface="Monaco"/>
-              </a:rPr>
-              <a:t># Define handle with the </a:t>
-            </a:r>
-            <a:r>
-              <a:rPr lang="en-US" i="1" dirty="0" smtClean="0">
-                <a:latin typeface="Monaco"/>
-                <a:cs typeface="Monaco"/>
-              </a:rPr>
-              <a:t>.open() </a:t>
-            </a:r>
-            <a:r>
-              <a:rPr lang="en-US" dirty="0" smtClean="0">
-                <a:latin typeface="Monaco"/>
-                <a:cs typeface="Monaco"/>
-              </a:rPr>
-              <a:t>function</a:t>
-            </a:r>
-          </a:p>
-          <a:p>
-            <a:r>
-              <a:rPr lang="en-US" dirty="0" smtClean="0">
-                <a:latin typeface="Monaco"/>
-                <a:cs typeface="Monaco"/>
-              </a:rPr>
-              <a:t>file_handle = </a:t>
-            </a:r>
-            <a:r>
-              <a:rPr lang="en-US" dirty="0" smtClean="0">
-                <a:solidFill>
-                  <a:srgbClr val="DC5924"/>
-                </a:solidFill>
-                <a:latin typeface="Monaco"/>
-                <a:cs typeface="Monaco"/>
-              </a:rPr>
-              <a:t>open</a:t>
-            </a:r>
-            <a:r>
-              <a:rPr lang="en-US" dirty="0" smtClean="0">
-                <a:latin typeface="Monaco"/>
-                <a:cs typeface="Monaco"/>
-              </a:rPr>
-              <a:t>(filename, "r")  # two arguments</a:t>
-            </a:r>
-          </a:p>
-          <a:p>
-            <a:endParaRPr lang="en-US" dirty="0">
-              <a:latin typeface="Monaco"/>
-              <a:cs typeface="Monaco"/>
-            </a:endParaRPr>
-          </a:p>
-          <a:p>
-            <a:r>
-              <a:rPr lang="en-US" dirty="0" smtClean="0">
-                <a:latin typeface="Monaco"/>
-                <a:cs typeface="Monaco"/>
-              </a:rPr>
-              <a:t># Read the file contents with the </a:t>
-            </a:r>
-            <a:r>
-              <a:rPr lang="en-US" i="1" dirty="0" smtClean="0">
-                <a:latin typeface="Monaco"/>
-                <a:cs typeface="Monaco"/>
-              </a:rPr>
-              <a:t>.read()</a:t>
-            </a:r>
-            <a:r>
-              <a:rPr lang="en-US" dirty="0">
-                <a:latin typeface="Monaco"/>
-                <a:cs typeface="Monaco"/>
-              </a:rPr>
-              <a:t> </a:t>
-            </a:r>
-            <a:r>
-              <a:rPr lang="en-US" dirty="0" smtClean="0">
-                <a:latin typeface="Monaco"/>
-                <a:cs typeface="Monaco"/>
-              </a:rPr>
-              <a:t>method</a:t>
-            </a:r>
-          </a:p>
-          <a:p>
-            <a:r>
-              <a:rPr lang="en-US" dirty="0" smtClean="0">
-                <a:latin typeface="Monaco"/>
-                <a:cs typeface="Monaco"/>
-              </a:rPr>
-              <a:t>file_contents = file_handle</a:t>
-            </a:r>
-            <a:r>
-              <a:rPr lang="en-US" dirty="0" smtClean="0">
-                <a:solidFill>
-                  <a:schemeClr val="accent5"/>
-                </a:solidFill>
-                <a:latin typeface="Monaco"/>
-                <a:cs typeface="Monaco"/>
-              </a:rPr>
-              <a:t>.read()</a:t>
-            </a:r>
-          </a:p>
-          <a:p>
-            <a:endParaRPr lang="en-US" dirty="0">
-              <a:latin typeface="Monaco"/>
-              <a:cs typeface="Monaco"/>
-            </a:endParaRPr>
-          </a:p>
-          <a:p>
-            <a:r>
-              <a:rPr lang="en-US" dirty="0" smtClean="0">
-                <a:latin typeface="Monaco"/>
-                <a:cs typeface="Monaco"/>
-              </a:rPr>
-              <a:t># Close the file when done with the </a:t>
-            </a:r>
-            <a:r>
-              <a:rPr lang="en-US" i="1" dirty="0" smtClean="0">
-                <a:latin typeface="Monaco"/>
-                <a:cs typeface="Monaco"/>
-              </a:rPr>
-              <a:t>.close()</a:t>
-            </a:r>
-            <a:r>
-              <a:rPr lang="en-US" dirty="0" smtClean="0">
-                <a:latin typeface="Monaco"/>
-                <a:cs typeface="Monaco"/>
-              </a:rPr>
-              <a:t> method (!!!)</a:t>
-            </a:r>
-          </a:p>
-          <a:p>
-            <a:r>
-              <a:rPr lang="en-US" dirty="0" smtClean="0">
-                <a:latin typeface="Monaco"/>
-                <a:cs typeface="Monaco"/>
-              </a:rPr>
-              <a:t>file_handle</a:t>
-            </a:r>
-            <a:r>
-              <a:rPr lang="en-US" dirty="0" smtClean="0">
-                <a:solidFill>
-                  <a:srgbClr val="DC5924"/>
-                </a:solidFill>
-                <a:latin typeface="Monaco"/>
-                <a:cs typeface="Monaco"/>
-              </a:rPr>
-              <a:t>.close()</a:t>
-            </a:r>
-          </a:p>
-          <a:p>
-            <a:endParaRPr lang="en-US" dirty="0" smtClean="0">
-              <a:latin typeface="Monaco"/>
-              <a:cs typeface="Monaco"/>
-            </a:endParaRPr>
-          </a:p>
-        </p:txBody>
-      </p:sp>
-    </p:spTree>
-    <p:extLst>
-      <p:ext uri="{BB962C8B-B14F-4D97-AF65-F5344CB8AC3E}">
-        <p14:creationId xmlns:p14="http://schemas.microsoft.com/office/powerpoint/2010/main" val="3431245136"/>
-      </p:ext>
-    </p:extLst>
-  </p:cSld>
-  <p:clrMapOvr>
-    <a:masterClrMapping/>
-  </p:clrMapOvr>
-  <p:timing>
-    <p:tnLst>
-      <p:par>
-        <p:cTn xmlns:p14="http://schemas.microsoft.com/office/powerpoint/2010/main" id="1" dur="indefinite" restart="never" nodeType="tmRoot"/>
-      </p:par>
-    </p:tnLst>
-  </p:timing>
-</p:sld>
-</file>
-
-<file path=ppt/slides/slide36.xml><?xml version="1.0" encoding="utf-8"?>
-<p:sld xmlns:a="http://schemas.openxmlformats.org/drawingml/2006/main" xmlns:r="http://schemas.openxmlformats.org/officeDocument/2006/relationships" xmlns:p="http://schemas.openxmlformats.org/presentationml/2006/main">
-  <p:cSld>
-    <p:spTree>
-      <p:nvGrpSpPr>
-        <p:cNvPr id="1" name=""/>
-        <p:cNvGrpSpPr/>
-        <p:nvPr/>
-      </p:nvGrpSpPr>
-      <p:grpSpPr>
-        <a:xfrm>
-          <a:off x="0" y="0"/>
-          <a:ext cx="0" cy="0"/>
-          <a:chOff x="0" y="0"/>
-          <a:chExt cx="0" cy="0"/>
-        </a:xfrm>
-      </p:grpSpPr>
-      <p:sp>
-        <p:nvSpPr>
-          <p:cNvPr id="2" name="Title 1"/>
-          <p:cNvSpPr>
-            <a:spLocks noGrp="1"/>
-          </p:cNvSpPr>
-          <p:nvPr>
-            <p:ph type="title"/>
-          </p:nvPr>
-        </p:nvSpPr>
-        <p:spPr/>
-        <p:txBody>
-          <a:bodyPr/>
-          <a:lstStyle/>
-          <a:p>
-            <a:r>
-              <a:rPr lang="en-US" dirty="0" smtClean="0"/>
-              <a:t>opening files for reading</a:t>
-            </a:r>
-            <a:endParaRPr lang="en-US" dirty="0"/>
-          </a:p>
-        </p:txBody>
-      </p:sp>
-      <p:sp>
-        <p:nvSpPr>
-          <p:cNvPr id="4" name="TextBox 3"/>
-          <p:cNvSpPr txBox="1"/>
-          <p:nvPr/>
-        </p:nvSpPr>
-        <p:spPr>
-          <a:xfrm>
-            <a:off x="457199" y="1727554"/>
-            <a:ext cx="8338444" cy="3416320"/>
-          </a:xfrm>
-          <a:prstGeom prst="rect">
-            <a:avLst/>
-          </a:prstGeom>
-          <a:noFill/>
-        </p:spPr>
-        <p:txBody>
-          <a:bodyPr wrap="square" rtlCol="0">
-            <a:spAutoFit/>
-          </a:bodyPr>
-          <a:lstStyle/>
-          <a:p>
-            <a:r>
-              <a:rPr lang="en-US" dirty="0" smtClean="0">
-                <a:latin typeface="Monaco"/>
-                <a:cs typeface="Monaco"/>
-              </a:rPr>
-              <a:t># Name of file to open</a:t>
-            </a:r>
-          </a:p>
-          <a:p>
-            <a:r>
-              <a:rPr lang="en-US" dirty="0" smtClean="0">
-                <a:latin typeface="Monaco"/>
-                <a:cs typeface="Monaco"/>
-              </a:rPr>
-              <a:t>filename = "my_file_with_important_stuff.txt"</a:t>
-            </a:r>
-          </a:p>
-          <a:p>
-            <a:endParaRPr lang="en-US" dirty="0">
-              <a:latin typeface="Monaco"/>
-              <a:cs typeface="Monaco"/>
-            </a:endParaRPr>
-          </a:p>
-          <a:p>
-            <a:r>
-              <a:rPr lang="en-US" dirty="0" smtClean="0">
-                <a:latin typeface="Monaco"/>
-                <a:cs typeface="Monaco"/>
-              </a:rPr>
-              <a:t># Define handle with the </a:t>
-            </a:r>
-            <a:r>
-              <a:rPr lang="en-US" i="1" dirty="0" smtClean="0">
-                <a:latin typeface="Monaco"/>
-                <a:cs typeface="Monaco"/>
-              </a:rPr>
-              <a:t>.open() </a:t>
-            </a:r>
-            <a:r>
-              <a:rPr lang="en-US" dirty="0" smtClean="0">
-                <a:latin typeface="Monaco"/>
-                <a:cs typeface="Monaco"/>
-              </a:rPr>
-              <a:t>function</a:t>
-            </a:r>
-          </a:p>
-          <a:p>
-            <a:r>
-              <a:rPr lang="en-US" dirty="0" smtClean="0">
-                <a:latin typeface="Monaco"/>
-                <a:cs typeface="Monaco"/>
-              </a:rPr>
-              <a:t>file_handle = </a:t>
-            </a:r>
-            <a:r>
-              <a:rPr lang="en-US" dirty="0" smtClean="0">
-                <a:solidFill>
-                  <a:srgbClr val="DC5924"/>
-                </a:solidFill>
-                <a:latin typeface="Monaco"/>
-                <a:cs typeface="Monaco"/>
-              </a:rPr>
-              <a:t>open</a:t>
-            </a:r>
-            <a:r>
-              <a:rPr lang="en-US" dirty="0" smtClean="0">
-                <a:latin typeface="Monaco"/>
-                <a:cs typeface="Monaco"/>
-              </a:rPr>
-              <a:t>(filename, "r")  # two arguments</a:t>
-            </a:r>
-          </a:p>
-          <a:p>
-            <a:endParaRPr lang="en-US" dirty="0">
-              <a:latin typeface="Monaco"/>
-              <a:cs typeface="Monaco"/>
-            </a:endParaRPr>
-          </a:p>
-          <a:p>
-            <a:r>
-              <a:rPr lang="en-US" dirty="0" smtClean="0">
-                <a:latin typeface="Monaco"/>
-                <a:cs typeface="Monaco"/>
-              </a:rPr>
-              <a:t># Read the file contents with the </a:t>
-            </a:r>
-            <a:r>
-              <a:rPr lang="en-US" i="1" dirty="0" smtClean="0">
-                <a:latin typeface="Monaco"/>
-                <a:cs typeface="Monaco"/>
-              </a:rPr>
-              <a:t>.read()</a:t>
-            </a:r>
-            <a:r>
-              <a:rPr lang="en-US" dirty="0">
-                <a:latin typeface="Monaco"/>
-                <a:cs typeface="Monaco"/>
-              </a:rPr>
-              <a:t> </a:t>
-            </a:r>
-            <a:r>
-              <a:rPr lang="en-US" dirty="0" smtClean="0">
-                <a:latin typeface="Monaco"/>
-                <a:cs typeface="Monaco"/>
-              </a:rPr>
-              <a:t>method</a:t>
-            </a:r>
-          </a:p>
-          <a:p>
-            <a:r>
-              <a:rPr lang="en-US" dirty="0" smtClean="0">
-                <a:latin typeface="Monaco"/>
-                <a:cs typeface="Monaco"/>
-              </a:rPr>
-              <a:t>file_contents = file_handle</a:t>
-            </a:r>
-            <a:r>
-              <a:rPr lang="en-US" dirty="0" smtClean="0">
-                <a:solidFill>
-                  <a:schemeClr val="accent5"/>
-                </a:solidFill>
-                <a:latin typeface="Monaco"/>
-                <a:cs typeface="Monaco"/>
-              </a:rPr>
-              <a:t>.read()</a:t>
-            </a:r>
-          </a:p>
-          <a:p>
-            <a:endParaRPr lang="en-US" dirty="0">
-              <a:latin typeface="Monaco"/>
-              <a:cs typeface="Monaco"/>
-            </a:endParaRPr>
-          </a:p>
-          <a:p>
-            <a:r>
-              <a:rPr lang="en-US" dirty="0" smtClean="0">
-                <a:latin typeface="Monaco"/>
-                <a:cs typeface="Monaco"/>
-              </a:rPr>
-              <a:t># Close the file when done with the </a:t>
-            </a:r>
-            <a:r>
-              <a:rPr lang="en-US" i="1" dirty="0" smtClean="0">
-                <a:latin typeface="Monaco"/>
-                <a:cs typeface="Monaco"/>
-              </a:rPr>
-              <a:t>.close()</a:t>
-            </a:r>
-            <a:r>
-              <a:rPr lang="en-US" dirty="0" smtClean="0">
-                <a:latin typeface="Monaco"/>
-                <a:cs typeface="Monaco"/>
-              </a:rPr>
-              <a:t> method (!!!)</a:t>
-            </a:r>
-          </a:p>
-          <a:p>
-            <a:r>
-              <a:rPr lang="en-US" dirty="0" smtClean="0">
-                <a:latin typeface="Monaco"/>
-                <a:cs typeface="Monaco"/>
-              </a:rPr>
-              <a:t>file_handle</a:t>
-            </a:r>
-            <a:r>
-              <a:rPr lang="en-US" dirty="0" smtClean="0">
-                <a:solidFill>
-                  <a:srgbClr val="DC5924"/>
-                </a:solidFill>
-                <a:latin typeface="Monaco"/>
-                <a:cs typeface="Monaco"/>
-              </a:rPr>
-              <a:t>.close()</a:t>
-            </a:r>
-          </a:p>
-          <a:p>
-            <a:endParaRPr lang="en-US" dirty="0" smtClean="0">
-              <a:latin typeface="Monaco"/>
-              <a:cs typeface="Monaco"/>
-            </a:endParaRPr>
-          </a:p>
-        </p:txBody>
-      </p:sp>
-      <p:sp>
-        <p:nvSpPr>
-          <p:cNvPr id="5" name="Rectangle 4"/>
-          <p:cNvSpPr/>
-          <p:nvPr/>
-        </p:nvSpPr>
-        <p:spPr>
-          <a:xfrm>
-            <a:off x="513420" y="3705247"/>
-            <a:ext cx="1865885" cy="272062"/>
-          </a:xfrm>
-          <a:prstGeom prst="rect">
-            <a:avLst/>
-          </a:prstGeom>
-          <a:noFill/>
-          <a:ln w="38100" cmpd="sng">
-            <a:solidFill>
-              <a:schemeClr val="accent2"/>
-            </a:solidFill>
-          </a:ln>
-          <a:effectLst/>
-        </p:spPr>
-        <p:style>
-          <a:lnRef idx="1">
-            <a:schemeClr val="accent1"/>
-          </a:lnRef>
-          <a:fillRef idx="3">
-            <a:schemeClr val="accent1"/>
-          </a:fillRef>
-          <a:effectRef idx="2">
-            <a:schemeClr val="accent1"/>
-          </a:effectRef>
-          <a:fontRef idx="minor">
-            <a:schemeClr val="lt1"/>
-          </a:fontRef>
-        </p:style>
-        <p:txBody>
-          <a:bodyPr rtlCol="0" anchor="ctr"/>
-          <a:lstStyle/>
-          <a:p>
-            <a:pPr algn="ctr"/>
-            <a:endParaRPr lang="en-US"/>
-          </a:p>
-        </p:txBody>
-      </p:sp>
-    </p:spTree>
-    <p:extLst>
-      <p:ext uri="{BB962C8B-B14F-4D97-AF65-F5344CB8AC3E}">
-        <p14:creationId xmlns:p14="http://schemas.microsoft.com/office/powerpoint/2010/main" val="4279406263"/>
-      </p:ext>
-    </p:extLst>
-  </p:cSld>
-  <p:clrMapOvr>
-    <a:masterClrMapping/>
-  </p:clrMapOvr>
-  <p:timing>
-    <p:tnLst>
-      <p:par>
-        <p:cTn xmlns:p14="http://schemas.microsoft.com/office/powerpoint/2010/main" id="1" dur="indefinite" restart="never" nodeType="tmRoot"/>
-      </p:par>
-    </p:tnLst>
-  </p:timing>
-</p:sld>
-</file>
-
-<file path=ppt/slides/slide37.xml><?xml version="1.0" encoding="utf-8"?>
-<p:sld xmlns:a="http://schemas.openxmlformats.org/drawingml/2006/main" xmlns:r="http://schemas.openxmlformats.org/officeDocument/2006/relationships" xmlns:p="http://schemas.openxmlformats.org/presentationml/2006/main">
-  <p:cSld>
-    <p:spTree>
-      <p:nvGrpSpPr>
-        <p:cNvPr id="1" name=""/>
-        <p:cNvGrpSpPr/>
-        <p:nvPr/>
-      </p:nvGrpSpPr>
-      <p:grpSpPr>
-        <a:xfrm>
-          <a:off x="0" y="0"/>
-          <a:ext cx="0" cy="0"/>
-          <a:chOff x="0" y="0"/>
-          <a:chExt cx="0" cy="0"/>
-        </a:xfrm>
-      </p:grpSpPr>
-      <p:sp>
-        <p:nvSpPr>
-          <p:cNvPr id="2" name="Title 1"/>
-          <p:cNvSpPr>
-            <a:spLocks noGrp="1"/>
-          </p:cNvSpPr>
-          <p:nvPr>
-            <p:ph type="title"/>
-          </p:nvPr>
-        </p:nvSpPr>
-        <p:spPr/>
-        <p:txBody>
-          <a:bodyPr/>
-          <a:lstStyle/>
-          <a:p>
-            <a:r>
-              <a:rPr lang="en-US" dirty="0" smtClean="0"/>
-              <a:t>opening files for reading</a:t>
-            </a:r>
-            <a:endParaRPr lang="en-US" dirty="0"/>
-          </a:p>
-        </p:txBody>
-      </p:sp>
-      <p:sp>
-        <p:nvSpPr>
-          <p:cNvPr id="4" name="TextBox 3"/>
-          <p:cNvSpPr txBox="1"/>
-          <p:nvPr/>
-        </p:nvSpPr>
-        <p:spPr>
-          <a:xfrm>
-            <a:off x="457199" y="1727554"/>
-            <a:ext cx="8338444" cy="5078314"/>
-          </a:xfrm>
-          <a:prstGeom prst="rect">
-            <a:avLst/>
-          </a:prstGeom>
-          <a:noFill/>
-        </p:spPr>
-        <p:txBody>
-          <a:bodyPr wrap="square" rtlCol="0">
-            <a:spAutoFit/>
-          </a:bodyPr>
-          <a:lstStyle/>
-          <a:p>
-            <a:r>
-              <a:rPr lang="en-US" dirty="0" smtClean="0">
-                <a:latin typeface="Monaco"/>
-                <a:cs typeface="Monaco"/>
-              </a:rPr>
-              <a:t># Name of file to open</a:t>
-            </a:r>
-          </a:p>
-          <a:p>
-            <a:r>
-              <a:rPr lang="en-US" dirty="0" smtClean="0">
-                <a:latin typeface="Monaco"/>
-                <a:cs typeface="Monaco"/>
-              </a:rPr>
-              <a:t>filename = "my_file_with_important_stuff.txt"</a:t>
-            </a:r>
-          </a:p>
-          <a:p>
-            <a:endParaRPr lang="en-US" dirty="0">
-              <a:latin typeface="Monaco"/>
-              <a:cs typeface="Monaco"/>
-            </a:endParaRPr>
-          </a:p>
-          <a:p>
-            <a:r>
-              <a:rPr lang="en-US" dirty="0" smtClean="0">
-                <a:latin typeface="Monaco"/>
-                <a:cs typeface="Monaco"/>
-              </a:rPr>
-              <a:t># Define handle with the </a:t>
-            </a:r>
-            <a:r>
-              <a:rPr lang="en-US" i="1" dirty="0" smtClean="0">
-                <a:latin typeface="Monaco"/>
-                <a:cs typeface="Monaco"/>
-              </a:rPr>
-              <a:t>.open() </a:t>
-            </a:r>
-            <a:r>
-              <a:rPr lang="en-US" dirty="0" smtClean="0">
-                <a:latin typeface="Monaco"/>
-                <a:cs typeface="Monaco"/>
-              </a:rPr>
-              <a:t>function</a:t>
-            </a:r>
-          </a:p>
-          <a:p>
-            <a:r>
-              <a:rPr lang="en-US" dirty="0" smtClean="0">
-                <a:latin typeface="Monaco"/>
-                <a:cs typeface="Monaco"/>
-              </a:rPr>
-              <a:t>file_handle = </a:t>
-            </a:r>
-            <a:r>
-              <a:rPr lang="en-US" dirty="0" smtClean="0">
-                <a:solidFill>
-                  <a:srgbClr val="DC5924"/>
-                </a:solidFill>
-                <a:latin typeface="Monaco"/>
-                <a:cs typeface="Monaco"/>
-              </a:rPr>
-              <a:t>open</a:t>
-            </a:r>
-            <a:r>
-              <a:rPr lang="en-US" dirty="0" smtClean="0">
-                <a:latin typeface="Monaco"/>
-                <a:cs typeface="Monaco"/>
-              </a:rPr>
-              <a:t>(filename, "r")  # two arguments</a:t>
-            </a:r>
-          </a:p>
-          <a:p>
-            <a:endParaRPr lang="en-US" dirty="0">
-              <a:latin typeface="Monaco"/>
-              <a:cs typeface="Monaco"/>
-            </a:endParaRPr>
-          </a:p>
-          <a:p>
-            <a:r>
-              <a:rPr lang="en-US" dirty="0" smtClean="0">
-                <a:latin typeface="Monaco"/>
-                <a:cs typeface="Monaco"/>
-              </a:rPr>
-              <a:t># Read the file contents with the </a:t>
-            </a:r>
-            <a:r>
-              <a:rPr lang="en-US" i="1" dirty="0" smtClean="0">
-                <a:latin typeface="Monaco"/>
-                <a:cs typeface="Monaco"/>
-              </a:rPr>
-              <a:t>.read()</a:t>
-            </a:r>
-            <a:r>
-              <a:rPr lang="en-US" dirty="0">
-                <a:latin typeface="Monaco"/>
-                <a:cs typeface="Monaco"/>
-              </a:rPr>
-              <a:t> </a:t>
-            </a:r>
-            <a:r>
-              <a:rPr lang="en-US" dirty="0" smtClean="0">
-                <a:latin typeface="Monaco"/>
-                <a:cs typeface="Monaco"/>
-              </a:rPr>
-              <a:t>method</a:t>
-            </a:r>
-          </a:p>
-          <a:p>
-            <a:r>
-              <a:rPr lang="en-US" dirty="0" smtClean="0">
-                <a:latin typeface="Monaco"/>
-                <a:cs typeface="Monaco"/>
-              </a:rPr>
-              <a:t>file_contents = file_handle</a:t>
-            </a:r>
-            <a:r>
-              <a:rPr lang="en-US" dirty="0" smtClean="0">
-                <a:solidFill>
-                  <a:schemeClr val="accent5"/>
-                </a:solidFill>
-                <a:latin typeface="Monaco"/>
-                <a:cs typeface="Monaco"/>
-              </a:rPr>
-              <a:t>.read()</a:t>
-            </a:r>
-          </a:p>
-          <a:p>
-            <a:endParaRPr lang="en-US" dirty="0">
-              <a:latin typeface="Monaco"/>
-              <a:cs typeface="Monaco"/>
-            </a:endParaRPr>
-          </a:p>
-          <a:p>
-            <a:r>
-              <a:rPr lang="en-US" dirty="0" smtClean="0">
-                <a:latin typeface="Monaco"/>
-                <a:cs typeface="Monaco"/>
-              </a:rPr>
-              <a:t># Close the file when done with the </a:t>
-            </a:r>
-            <a:r>
-              <a:rPr lang="en-US" i="1" dirty="0" smtClean="0">
-                <a:latin typeface="Monaco"/>
-                <a:cs typeface="Monaco"/>
-              </a:rPr>
-              <a:t>.close()</a:t>
-            </a:r>
-            <a:r>
-              <a:rPr lang="en-US" dirty="0" smtClean="0">
-                <a:latin typeface="Monaco"/>
-                <a:cs typeface="Monaco"/>
-              </a:rPr>
-              <a:t> method (!!!)</a:t>
-            </a:r>
-          </a:p>
-          <a:p>
-            <a:r>
-              <a:rPr lang="en-US" dirty="0" smtClean="0">
-                <a:latin typeface="Monaco"/>
-                <a:cs typeface="Monaco"/>
-              </a:rPr>
-              <a:t>file_handle</a:t>
-            </a:r>
-            <a:r>
-              <a:rPr lang="en-US" dirty="0" smtClean="0">
-                <a:solidFill>
-                  <a:srgbClr val="DC5924"/>
-                </a:solidFill>
-                <a:latin typeface="Monaco"/>
-                <a:cs typeface="Monaco"/>
-              </a:rPr>
-              <a:t>.close()</a:t>
-            </a:r>
-          </a:p>
-          <a:p>
-            <a:endParaRPr lang="en-US" dirty="0">
-              <a:latin typeface="Monaco"/>
-              <a:cs typeface="Monaco"/>
-            </a:endParaRPr>
-          </a:p>
-          <a:p>
-            <a:r>
-              <a:rPr lang="en-US" dirty="0" smtClean="0">
-                <a:latin typeface="Monaco"/>
-                <a:cs typeface="Monaco"/>
-              </a:rPr>
-              <a:t>print(file_contents)</a:t>
-            </a:r>
-          </a:p>
-          <a:p>
-            <a:r>
-              <a:rPr lang="en-US" dirty="0">
-                <a:solidFill>
-                  <a:srgbClr val="A6A6A6"/>
-                </a:solidFill>
-                <a:latin typeface="Monaco"/>
-                <a:cs typeface="Monaco"/>
-              </a:rPr>
-              <a:t>	</a:t>
-            </a:r>
-            <a:r>
-              <a:rPr lang="en-US" dirty="0" smtClean="0">
-                <a:solidFill>
-                  <a:srgbClr val="A6A6A6"/>
-                </a:solidFill>
-                <a:latin typeface="Monaco"/>
-                <a:cs typeface="Monaco"/>
-              </a:rPr>
-              <a:t>Line 1 of file.</a:t>
-            </a:r>
-            <a:endParaRPr lang="en-US" dirty="0">
-              <a:solidFill>
-                <a:srgbClr val="A6A6A6"/>
-              </a:solidFill>
-              <a:latin typeface="Monaco"/>
-              <a:cs typeface="Monaco"/>
-            </a:endParaRPr>
-          </a:p>
-          <a:p>
-            <a:r>
-              <a:rPr lang="en-US" dirty="0">
-                <a:solidFill>
-                  <a:srgbClr val="A6A6A6"/>
-                </a:solidFill>
-                <a:latin typeface="Monaco"/>
-                <a:cs typeface="Monaco"/>
-              </a:rPr>
-              <a:t>	Line </a:t>
-            </a:r>
-            <a:r>
-              <a:rPr lang="en-US" dirty="0" smtClean="0">
-                <a:solidFill>
-                  <a:srgbClr val="A6A6A6"/>
-                </a:solidFill>
-                <a:latin typeface="Monaco"/>
-                <a:cs typeface="Monaco"/>
-              </a:rPr>
-              <a:t>2 </a:t>
-            </a:r>
-            <a:r>
-              <a:rPr lang="en-US" dirty="0">
-                <a:solidFill>
-                  <a:srgbClr val="A6A6A6"/>
-                </a:solidFill>
-                <a:latin typeface="Monaco"/>
-                <a:cs typeface="Monaco"/>
-              </a:rPr>
-              <a:t>of file.</a:t>
-            </a:r>
-          </a:p>
-          <a:p>
-            <a:r>
-              <a:rPr lang="en-US" dirty="0">
-                <a:solidFill>
-                  <a:srgbClr val="A6A6A6"/>
-                </a:solidFill>
-                <a:latin typeface="Monaco"/>
-                <a:cs typeface="Monaco"/>
-              </a:rPr>
-              <a:t>	Line </a:t>
-            </a:r>
-            <a:r>
-              <a:rPr lang="en-US" dirty="0" smtClean="0">
-                <a:solidFill>
-                  <a:srgbClr val="A6A6A6"/>
-                </a:solidFill>
-                <a:latin typeface="Monaco"/>
-                <a:cs typeface="Monaco"/>
-              </a:rPr>
-              <a:t>3 </a:t>
-            </a:r>
-            <a:r>
-              <a:rPr lang="en-US" dirty="0">
-                <a:solidFill>
-                  <a:srgbClr val="A6A6A6"/>
-                </a:solidFill>
-                <a:latin typeface="Monaco"/>
-                <a:cs typeface="Monaco"/>
-              </a:rPr>
-              <a:t>of file.</a:t>
-            </a:r>
-          </a:p>
-          <a:p>
-            <a:r>
-              <a:rPr lang="en-US" dirty="0" smtClean="0">
-                <a:solidFill>
-                  <a:srgbClr val="A6A6A6"/>
-                </a:solidFill>
-                <a:latin typeface="Monaco"/>
-                <a:cs typeface="Monaco"/>
-              </a:rPr>
-              <a:t>	...</a:t>
-            </a:r>
-            <a:endParaRPr lang="en-US" dirty="0">
-              <a:solidFill>
-                <a:srgbClr val="A6A6A6"/>
-              </a:solidFill>
-              <a:latin typeface="Monaco"/>
-              <a:cs typeface="Monaco"/>
-            </a:endParaRPr>
-          </a:p>
-          <a:p>
-            <a:endParaRPr lang="en-US" dirty="0" smtClean="0">
-              <a:latin typeface="Monaco"/>
-              <a:cs typeface="Monaco"/>
-            </a:endParaRPr>
-          </a:p>
-        </p:txBody>
-      </p:sp>
-      <p:sp>
-        <p:nvSpPr>
-          <p:cNvPr id="7" name="Right Brace 6"/>
-          <p:cNvSpPr/>
-          <p:nvPr/>
-        </p:nvSpPr>
-        <p:spPr>
-          <a:xfrm>
-            <a:off x="3031751" y="5362152"/>
-            <a:ext cx="437205" cy="1117848"/>
-          </a:xfrm>
-          <a:prstGeom prst="rightBrace">
-            <a:avLst>
-              <a:gd name="adj1" fmla="val 17856"/>
-              <a:gd name="adj2" fmla="val 50000"/>
-            </a:avLst>
-          </a:prstGeom>
-          <a:ln>
-            <a:solidFill>
-              <a:srgbClr val="F5C201"/>
-            </a:solidFill>
-          </a:ln>
-        </p:spPr>
-        <p:style>
-          <a:lnRef idx="2">
-            <a:schemeClr val="accent1"/>
-          </a:lnRef>
-          <a:fillRef idx="0">
-            <a:schemeClr val="accent1"/>
-          </a:fillRef>
-          <a:effectRef idx="1">
-            <a:schemeClr val="accent1"/>
-          </a:effectRef>
-          <a:fontRef idx="minor">
-            <a:schemeClr val="tx1"/>
-          </a:fontRef>
-        </p:style>
-        <p:txBody>
-          <a:bodyPr rtlCol="0" anchor="ctr"/>
-          <a:lstStyle/>
-          <a:p>
-            <a:pPr algn="ctr"/>
-            <a:endParaRPr lang="en-US"/>
-          </a:p>
-        </p:txBody>
-      </p:sp>
-      <p:sp>
-        <p:nvSpPr>
-          <p:cNvPr id="8" name="TextBox 7"/>
-          <p:cNvSpPr txBox="1"/>
-          <p:nvPr/>
-        </p:nvSpPr>
-        <p:spPr>
-          <a:xfrm>
-            <a:off x="3468956" y="5745948"/>
-            <a:ext cx="4375855" cy="338554"/>
-          </a:xfrm>
-          <a:prstGeom prst="rect">
-            <a:avLst/>
-          </a:prstGeom>
-          <a:noFill/>
-        </p:spPr>
-        <p:txBody>
-          <a:bodyPr wrap="square" rtlCol="0">
-            <a:spAutoFit/>
-          </a:bodyPr>
-          <a:lstStyle/>
-          <a:p>
-            <a:r>
-              <a:rPr lang="en-US" sz="1600" dirty="0" smtClean="0">
-                <a:solidFill>
-                  <a:srgbClr val="DC5924"/>
-                </a:solidFill>
-              </a:rPr>
-              <a:t>The entire body of the file, as a </a:t>
-            </a:r>
-            <a:r>
-              <a:rPr lang="en-US" sz="1600" b="1" dirty="0" smtClean="0">
-                <a:solidFill>
-                  <a:srgbClr val="DC5924"/>
-                </a:solidFill>
-              </a:rPr>
-              <a:t>single string</a:t>
-            </a:r>
-            <a:r>
-              <a:rPr lang="en-US" sz="1600" dirty="0" smtClean="0">
-                <a:solidFill>
-                  <a:srgbClr val="DC5924"/>
-                </a:solidFill>
-              </a:rPr>
-              <a:t>!</a:t>
-            </a:r>
-            <a:endParaRPr lang="en-US" sz="1600" dirty="0">
-              <a:solidFill>
-                <a:srgbClr val="DC5924"/>
-              </a:solidFill>
-            </a:endParaRPr>
-          </a:p>
-        </p:txBody>
-      </p:sp>
-    </p:spTree>
-    <p:extLst>
-      <p:ext uri="{BB962C8B-B14F-4D97-AF65-F5344CB8AC3E}">
-        <p14:creationId xmlns:p14="http://schemas.microsoft.com/office/powerpoint/2010/main" val="3651873520"/>
-      </p:ext>
-    </p:extLst>
-  </p:cSld>
-  <p:clrMapOvr>
-    <a:masterClrMapping/>
-  </p:clrMapOvr>
-  <p:timing>
-    <p:tnLst>
-      <p:par>
-        <p:cTn xmlns:p14="http://schemas.microsoft.com/office/powerpoint/2010/main" id="1" dur="indefinite" restart="never" nodeType="tmRoot">
-          <p:childTnLst>
-            <p:seq concurrent="1" nextAc="seek">
-              <p:cTn id="2" dur="indefinite" nodeType="mainSeq">
-                <p:childTnLst>
-                  <p:par>
-                    <p:cTn id="3" fill="hold">
-                      <p:stCondLst>
-                        <p:cond delay="indefinite"/>
-                      </p:stCondLst>
-                      <p:childTnLst>
-                        <p:par>
-                          <p:cTn id="4" fill="hold">
-                            <p:stCondLst>
-                              <p:cond delay="0"/>
-                            </p:stCondLst>
-                            <p:childTnLst>
-                              <p:par>
-                                <p:cTn id="5" presetID="1" presetClass="entr" presetSubtype="0" fill="hold" nodeType="clickEffect">
-                                  <p:stCondLst>
-                                    <p:cond delay="0"/>
-                                  </p:stCondLst>
-                                  <p:childTnLst>
-                                    <p:set>
-                                      <p:cBhvr>
-                                        <p:cTn id="6" dur="1" fill="hold">
-                                          <p:stCondLst>
-                                            <p:cond delay="0"/>
-                                          </p:stCondLst>
-                                        </p:cTn>
-                                        <p:tgtEl>
-                                          <p:spTgt spid="4">
-                                            <p:txEl>
-                                              <p:pRg st="12" end="12"/>
-                                            </p:txEl>
-                                          </p:spTgt>
-                                        </p:tgtEl>
-                                        <p:attrNameLst>
-                                          <p:attrName>style.visibility</p:attrName>
-                                        </p:attrNameLst>
-                                      </p:cBhvr>
-                                      <p:to>
-                                        <p:strVal val="visible"/>
-                                      </p:to>
-                                    </p:set>
-                                  </p:childTnLst>
-                                </p:cTn>
-                              </p:par>
-                              <p:par>
-                                <p:cTn id="7" presetID="1" presetClass="entr" presetSubtype="0" fill="hold" nodeType="withEffect">
-                                  <p:stCondLst>
-                                    <p:cond delay="0"/>
-                                  </p:stCondLst>
-                                  <p:childTnLst>
-                                    <p:set>
-                                      <p:cBhvr>
-                                        <p:cTn id="8" dur="1" fill="hold">
-                                          <p:stCondLst>
-                                            <p:cond delay="0"/>
-                                          </p:stCondLst>
-                                        </p:cTn>
-                                        <p:tgtEl>
-                                          <p:spTgt spid="4">
-                                            <p:txEl>
-                                              <p:pRg st="13" end="13"/>
-                                            </p:txEl>
-                                          </p:spTgt>
-                                        </p:tgtEl>
-                                        <p:attrNameLst>
-                                          <p:attrName>style.visibility</p:attrName>
-                                        </p:attrNameLst>
-                                      </p:cBhvr>
-                                      <p:to>
-                                        <p:strVal val="visible"/>
-                                      </p:to>
-                                    </p:set>
-                                  </p:childTnLst>
-                                </p:cTn>
-                              </p:par>
-                              <p:par>
-                                <p:cTn id="9" presetID="1" presetClass="entr" presetSubtype="0" fill="hold" nodeType="withEffect">
-                                  <p:stCondLst>
-                                    <p:cond delay="0"/>
-                                  </p:stCondLst>
-                                  <p:childTnLst>
-                                    <p:set>
-                                      <p:cBhvr>
-                                        <p:cTn id="10" dur="1" fill="hold">
-                                          <p:stCondLst>
-                                            <p:cond delay="0"/>
-                                          </p:stCondLst>
-                                        </p:cTn>
-                                        <p:tgtEl>
-                                          <p:spTgt spid="4">
-                                            <p:txEl>
-                                              <p:pRg st="14" end="14"/>
-                                            </p:txEl>
-                                          </p:spTgt>
-                                        </p:tgtEl>
-                                        <p:attrNameLst>
-                                          <p:attrName>style.visibility</p:attrName>
-                                        </p:attrNameLst>
-                                      </p:cBhvr>
-                                      <p:to>
-                                        <p:strVal val="visible"/>
-                                      </p:to>
-                                    </p:set>
-                                  </p:childTnLst>
-                                </p:cTn>
-                              </p:par>
-                              <p:par>
-                                <p:cTn id="11" presetID="1" presetClass="entr" presetSubtype="0" fill="hold" nodeType="withEffect">
-                                  <p:stCondLst>
-                                    <p:cond delay="0"/>
-                                  </p:stCondLst>
-                                  <p:childTnLst>
-                                    <p:set>
-                                      <p:cBhvr>
-                                        <p:cTn id="12" dur="1" fill="hold">
-                                          <p:stCondLst>
-                                            <p:cond delay="0"/>
-                                          </p:stCondLst>
-                                        </p:cTn>
-                                        <p:tgtEl>
-                                          <p:spTgt spid="4">
-                                            <p:txEl>
-                                              <p:pRg st="15" end="15"/>
-                                            </p:txEl>
-                                          </p:spTgt>
-                                        </p:tgtEl>
-                                        <p:attrNameLst>
-                                          <p:attrName>style.visibility</p:attrName>
-                                        </p:attrNameLst>
-                                      </p:cBhvr>
-                                      <p:to>
-                                        <p:strVal val="visible"/>
-                                      </p:to>
-                                    </p:set>
-                                  </p:childTnLst>
-                                </p:cTn>
-                              </p:par>
-                              <p:par>
-                                <p:cTn id="13" presetID="1" presetClass="entr" presetSubtype="0" fill="hold" nodeType="withEffect">
-                                  <p:stCondLst>
-                                    <p:cond delay="0"/>
-                                  </p:stCondLst>
-                                  <p:childTnLst>
-                                    <p:set>
-                                      <p:cBhvr>
-                                        <p:cTn id="14" dur="1" fill="hold">
-                                          <p:stCondLst>
-                                            <p:cond delay="0"/>
-                                          </p:stCondLst>
-                                        </p:cTn>
-                                        <p:tgtEl>
-                                          <p:spTgt spid="4">
-                                            <p:txEl>
-                                              <p:pRg st="16" end="16"/>
-                                            </p:txEl>
-                                          </p:spTgt>
-                                        </p:tgtEl>
-                                        <p:attrNameLst>
-                                          <p:attrName>style.visibility</p:attrName>
-                                        </p:attrNameLst>
-                                      </p:cBhvr>
-                                      <p:to>
-                                        <p:strVal val="visible"/>
-                                      </p:to>
-                                    </p:set>
-                                  </p:childTnLst>
-                                </p:cTn>
-                              </p:par>
-                            </p:childTnLst>
-                          </p:cTn>
-                        </p:par>
-                      </p:childTnLst>
-                    </p:cTn>
-                  </p:par>
-                  <p:par>
-                    <p:cTn id="15" fill="hold">
-                      <p:stCondLst>
-                        <p:cond delay="indefinite"/>
-                      </p:stCondLst>
-                      <p:childTnLst>
-                        <p:par>
-                          <p:cTn id="16" fill="hold">
-                            <p:stCondLst>
-                              <p:cond delay="0"/>
-                            </p:stCondLst>
-                            <p:childTnLst>
-                              <p:par>
-                                <p:cTn id="17" presetID="1" presetClass="entr" presetSubtype="0" fill="hold" grpId="0" nodeType="clickEffect">
-                                  <p:stCondLst>
-                                    <p:cond delay="0"/>
-                                  </p:stCondLst>
-                                  <p:childTnLst>
-                                    <p:set>
-                                      <p:cBhvr>
-                                        <p:cTn id="18" dur="1" fill="hold">
-                                          <p:stCondLst>
-                                            <p:cond delay="0"/>
-                                          </p:stCondLst>
-                                        </p:cTn>
-                                        <p:tgtEl>
-                                          <p:spTgt spid="7"/>
-                                        </p:tgtEl>
-                                        <p:attrNameLst>
-                                          <p:attrName>style.visibility</p:attrName>
-                                        </p:attrNameLst>
-                                      </p:cBhvr>
-                                      <p:to>
-                                        <p:strVal val="visible"/>
-                                      </p:to>
-                                    </p:set>
-                                  </p:childTnLst>
-                                </p:cTn>
-                              </p:par>
-                              <p:par>
-                                <p:cTn id="19" presetID="1" presetClass="entr" presetSubtype="0" fill="hold" grpId="0" nodeType="withEffect">
-                                  <p:stCondLst>
-                                    <p:cond delay="0"/>
-                                  </p:stCondLst>
-                                  <p:childTnLst>
-                                    <p:set>
-                                      <p:cBhvr>
-                                        <p:cTn id="20" dur="1" fill="hold">
-                                          <p:stCondLst>
-                                            <p:cond delay="0"/>
-                                          </p:stCondLst>
-                                        </p:cTn>
-                                        <p:tgtEl>
-                                          <p:spTgt spid="8"/>
-                                        </p:tgtEl>
-                                        <p:attrNameLst>
-                                          <p:attrName>style.visibility</p:attrName>
-                                        </p:attrNameLst>
-                                      </p:cBhvr>
-                                      <p:to>
-                                        <p:strVal val="visible"/>
-                                      </p:to>
-                                    </p:set>
-                                  </p:childTnLst>
-                                </p:cTn>
-                              </p:par>
-                            </p:childTnLst>
-                          </p:cTn>
-                        </p:par>
-                      </p:childTnLst>
-                    </p:cTn>
-                  </p:par>
-                </p:childTnLst>
-              </p:cTn>
-              <p:prevCondLst>
-                <p:cond evt="onPrev" delay="0">
-                  <p:tgtEl>
-                    <p:sldTgt/>
-                  </p:tgtEl>
-                </p:cond>
-              </p:prevCondLst>
-              <p:nextCondLst>
-                <p:cond evt="onNext" delay="0">
-                  <p:tgtEl>
-                    <p:sldTgt/>
-                  </p:tgtEl>
-                </p:cond>
-              </p:nextCondLst>
-            </p:seq>
-          </p:childTnLst>
-        </p:cTn>
-      </p:par>
-    </p:tnLst>
-    <p:bldLst>
-      <p:bldP spid="7" grpId="0" animBg="1"/>
-      <p:bldP spid="8" grpId="0"/>
-    </p:bldLst>
-  </p:timing>
-</p:sld>
-</file>
-
-<file path=ppt/slides/slide38.xml><?xml version="1.0" encoding="utf-8"?>
-<p:sld xmlns:a="http://schemas.openxmlformats.org/drawingml/2006/main" xmlns:r="http://schemas.openxmlformats.org/officeDocument/2006/relationships" xmlns:p="http://schemas.openxmlformats.org/presentationml/2006/main">
-  <p:cSld>
-    <p:spTree>
-      <p:nvGrpSpPr>
-        <p:cNvPr id="1" name=""/>
-        <p:cNvGrpSpPr/>
-        <p:nvPr/>
-      </p:nvGrpSpPr>
-      <p:grpSpPr>
-        <a:xfrm>
-          <a:off x="0" y="0"/>
-          <a:ext cx="0" cy="0"/>
-          <a:chOff x="0" y="0"/>
-          <a:chExt cx="0" cy="0"/>
-        </a:xfrm>
-      </p:grpSpPr>
-      <p:sp>
-        <p:nvSpPr>
-          <p:cNvPr id="2" name="Title 1"/>
-          <p:cNvSpPr>
-            <a:spLocks noGrp="1"/>
-          </p:cNvSpPr>
-          <p:nvPr>
-            <p:ph type="title"/>
-          </p:nvPr>
-        </p:nvSpPr>
-        <p:spPr/>
-        <p:txBody>
-          <a:bodyPr/>
-          <a:lstStyle/>
-          <a:p>
-            <a:r>
-              <a:rPr lang="en-US" dirty="0" smtClean="0"/>
-              <a:t>looping over lines in a file</a:t>
-            </a:r>
-            <a:endParaRPr lang="en-US" dirty="0"/>
-          </a:p>
-        </p:txBody>
-      </p:sp>
-      <p:sp>
-        <p:nvSpPr>
-          <p:cNvPr id="4" name="TextBox 3"/>
-          <p:cNvSpPr txBox="1"/>
-          <p:nvPr/>
-        </p:nvSpPr>
-        <p:spPr>
-          <a:xfrm>
-            <a:off x="457199" y="1558432"/>
-            <a:ext cx="8338444" cy="5355313"/>
-          </a:xfrm>
-          <a:prstGeom prst="rect">
-            <a:avLst/>
-          </a:prstGeom>
-          <a:noFill/>
-        </p:spPr>
-        <p:txBody>
-          <a:bodyPr wrap="square" rtlCol="0">
-            <a:spAutoFit/>
-          </a:bodyPr>
-          <a:lstStyle/>
-          <a:p>
-            <a:r>
-              <a:rPr lang="en-US" dirty="0">
-                <a:latin typeface="Monaco"/>
-                <a:cs typeface="Monaco"/>
-              </a:rPr>
-              <a:t># Better option: use the </a:t>
-            </a:r>
-            <a:r>
-              <a:rPr lang="en-US" i="1" dirty="0">
-                <a:latin typeface="Monaco"/>
-                <a:cs typeface="Monaco"/>
-              </a:rPr>
-              <a:t>.readlines() </a:t>
-            </a:r>
-            <a:r>
-              <a:rPr lang="en-US" dirty="0">
-                <a:latin typeface="Monaco"/>
-                <a:cs typeface="Monaco"/>
-              </a:rPr>
-              <a:t>method</a:t>
-            </a:r>
-          </a:p>
-          <a:p>
-            <a:endParaRPr lang="en-US" dirty="0">
-              <a:latin typeface="Monaco"/>
-              <a:cs typeface="Monaco"/>
-            </a:endParaRPr>
-          </a:p>
-          <a:p>
-            <a:r>
-              <a:rPr lang="en-US" dirty="0">
-                <a:latin typeface="Monaco"/>
-                <a:cs typeface="Monaco"/>
-              </a:rPr>
-              <a:t>file_handle = open(filename, "r")</a:t>
-            </a:r>
-          </a:p>
-          <a:p>
-            <a:r>
-              <a:rPr lang="en-US" dirty="0" smtClean="0">
-                <a:latin typeface="Monaco"/>
-                <a:cs typeface="Monaco"/>
-              </a:rPr>
-              <a:t>file_lines = file_handle</a:t>
-            </a:r>
-            <a:r>
-              <a:rPr lang="en-US" dirty="0" smtClean="0">
-                <a:solidFill>
-                  <a:srgbClr val="DC5924"/>
-                </a:solidFill>
-                <a:latin typeface="Monaco"/>
-                <a:cs typeface="Monaco"/>
-              </a:rPr>
-              <a:t>.readlines()</a:t>
-            </a:r>
-          </a:p>
-          <a:p>
-            <a:r>
-              <a:rPr lang="en-US" dirty="0" smtClean="0">
-                <a:latin typeface="Monaco"/>
-                <a:cs typeface="Monaco"/>
-              </a:rPr>
-              <a:t>file_handle.close</a:t>
-            </a:r>
-            <a:r>
-              <a:rPr lang="en-US" dirty="0">
-                <a:latin typeface="Monaco"/>
-                <a:cs typeface="Monaco"/>
-              </a:rPr>
-              <a:t>()</a:t>
-            </a:r>
-          </a:p>
-          <a:p>
-            <a:endParaRPr lang="en-US" dirty="0" smtClean="0">
-              <a:latin typeface="Monaco"/>
-              <a:cs typeface="Monaco"/>
-            </a:endParaRPr>
-          </a:p>
-          <a:p>
-            <a:r>
-              <a:rPr lang="en-US" dirty="0">
-                <a:latin typeface="Monaco"/>
-                <a:cs typeface="Monaco"/>
-              </a:rPr>
-              <a:t># file_lines is a </a:t>
-            </a:r>
-            <a:r>
-              <a:rPr lang="en-US" dirty="0" smtClean="0">
-                <a:latin typeface="Monaco"/>
-                <a:cs typeface="Monaco"/>
-              </a:rPr>
-              <a:t>list</a:t>
-            </a:r>
-          </a:p>
-          <a:p>
-            <a:r>
-              <a:rPr lang="en-US" dirty="0" smtClean="0">
-                <a:latin typeface="Monaco"/>
-                <a:cs typeface="Monaco"/>
-              </a:rPr>
-              <a:t>print(file_lines)</a:t>
-            </a:r>
-          </a:p>
-          <a:p>
-            <a:r>
-              <a:rPr lang="en-US" dirty="0">
-                <a:solidFill>
-                  <a:schemeClr val="bg1">
-                    <a:lumMod val="65000"/>
-                  </a:schemeClr>
-                </a:solidFill>
-                <a:latin typeface="Monaco"/>
-                <a:cs typeface="Monaco"/>
-              </a:rPr>
-              <a:t>	</a:t>
-            </a:r>
-            <a:r>
-              <a:rPr lang="en-US" dirty="0" smtClean="0">
-                <a:solidFill>
-                  <a:schemeClr val="bg1">
-                    <a:lumMod val="65000"/>
-                  </a:schemeClr>
-                </a:solidFill>
-                <a:latin typeface="Monaco"/>
-                <a:cs typeface="Monaco"/>
-              </a:rPr>
-              <a:t>["Line 1 of file.\n", "Line 2 of file.\n", "Line 3 of 	file.\n", ...]</a:t>
-            </a:r>
-          </a:p>
-          <a:p>
-            <a:endParaRPr lang="en-US" dirty="0">
-              <a:solidFill>
-                <a:schemeClr val="bg1">
-                  <a:lumMod val="65000"/>
-                </a:schemeClr>
-              </a:solidFill>
-              <a:latin typeface="Monaco"/>
-              <a:cs typeface="Monaco"/>
-            </a:endParaRPr>
-          </a:p>
-          <a:p>
-            <a:r>
-              <a:rPr lang="en-US" dirty="0" smtClean="0">
-                <a:latin typeface="Monaco"/>
-                <a:cs typeface="Monaco"/>
-              </a:rPr>
-              <a:t>for line in file_lines:</a:t>
-            </a:r>
-          </a:p>
-          <a:p>
-            <a:r>
-              <a:rPr lang="en-US" dirty="0">
-                <a:latin typeface="Monaco"/>
-                <a:cs typeface="Monaco"/>
-              </a:rPr>
-              <a:t>	</a:t>
-            </a:r>
-            <a:r>
-              <a:rPr lang="en-US" dirty="0" smtClean="0">
-                <a:latin typeface="Monaco"/>
-                <a:cs typeface="Monaco"/>
-              </a:rPr>
-              <a:t>print(line)</a:t>
-            </a:r>
-            <a:endParaRPr lang="en-US" dirty="0">
-              <a:latin typeface="Monaco"/>
-              <a:cs typeface="Monaco"/>
-            </a:endParaRPr>
-          </a:p>
-          <a:p>
-            <a:endParaRPr lang="en-US" dirty="0" smtClean="0">
-              <a:latin typeface="Monaco"/>
-              <a:cs typeface="Monaco"/>
-            </a:endParaRPr>
-          </a:p>
-          <a:p>
-            <a:r>
-              <a:rPr lang="en-US" dirty="0" smtClean="0">
-                <a:solidFill>
-                  <a:srgbClr val="A6A6A6"/>
-                </a:solidFill>
-                <a:latin typeface="Monaco"/>
-                <a:cs typeface="Monaco"/>
-              </a:rPr>
-              <a:t>	Line </a:t>
-            </a:r>
-            <a:r>
-              <a:rPr lang="en-US" dirty="0">
-                <a:solidFill>
-                  <a:srgbClr val="A6A6A6"/>
-                </a:solidFill>
-                <a:latin typeface="Monaco"/>
-                <a:cs typeface="Monaco"/>
-              </a:rPr>
-              <a:t>1 of file.</a:t>
-            </a:r>
-          </a:p>
-          <a:p>
-            <a:r>
-              <a:rPr lang="en-US" dirty="0">
-                <a:solidFill>
-                  <a:srgbClr val="A6A6A6"/>
-                </a:solidFill>
-                <a:latin typeface="Monaco"/>
-                <a:cs typeface="Monaco"/>
-              </a:rPr>
-              <a:t>	Line 2 of file.</a:t>
-            </a:r>
-          </a:p>
-          <a:p>
-            <a:r>
-              <a:rPr lang="en-US" dirty="0">
-                <a:solidFill>
-                  <a:srgbClr val="A6A6A6"/>
-                </a:solidFill>
-                <a:latin typeface="Monaco"/>
-                <a:cs typeface="Monaco"/>
-              </a:rPr>
-              <a:t>	Line 3 of file.</a:t>
-            </a:r>
-          </a:p>
-          <a:p>
-            <a:r>
-              <a:rPr lang="en-US" dirty="0">
-                <a:solidFill>
-                  <a:srgbClr val="A6A6A6"/>
-                </a:solidFill>
-                <a:latin typeface="Monaco"/>
-                <a:cs typeface="Monaco"/>
-              </a:rPr>
-              <a:t>	...</a:t>
-            </a:r>
-          </a:p>
-          <a:p>
-            <a:endParaRPr lang="en-US" dirty="0" smtClean="0">
-              <a:latin typeface="Monaco"/>
-              <a:cs typeface="Monaco"/>
-            </a:endParaRPr>
-          </a:p>
-        </p:txBody>
-      </p:sp>
-    </p:spTree>
-    <p:extLst>
-      <p:ext uri="{BB962C8B-B14F-4D97-AF65-F5344CB8AC3E}">
-        <p14:creationId xmlns:p14="http://schemas.microsoft.com/office/powerpoint/2010/main" val="2950835983"/>
-      </p:ext>
-    </p:extLst>
-  </p:cSld>
-  <p:clrMapOvr>
-    <a:masterClrMapping/>
-  </p:clrMapOvr>
-  <p:timing>
-    <p:tnLst>
-      <p:par>
-        <p:cTn xmlns:p14="http://schemas.microsoft.com/office/powerpoint/2010/main" id="1" dur="indefinite" restart="never" nodeType="tmRoot">
-          <p:childTnLst>
-            <p:seq concurrent="1" nextAc="seek">
-              <p:cTn id="2" dur="indefinite" nodeType="mainSeq">
-                <p:childTnLst>
-                  <p:par>
-                    <p:cTn id="3" fill="hold">
-                      <p:stCondLst>
-                        <p:cond delay="indefinite"/>
-                      </p:stCondLst>
-                      <p:childTnLst>
-                        <p:par>
-                          <p:cTn id="4" fill="hold">
-                            <p:stCondLst>
-                              <p:cond delay="0"/>
-                            </p:stCondLst>
-                            <p:childTnLst>
-                              <p:par>
-                                <p:cTn id="5" presetID="1" presetClass="entr" presetSubtype="0" fill="hold" nodeType="clickEffect">
-                                  <p:stCondLst>
-                                    <p:cond delay="0"/>
-                                  </p:stCondLst>
-                                  <p:childTnLst>
-                                    <p:set>
-                                      <p:cBhvr>
-                                        <p:cTn id="6" dur="1" fill="hold">
-                                          <p:stCondLst>
-                                            <p:cond delay="0"/>
-                                          </p:stCondLst>
-                                        </p:cTn>
-                                        <p:tgtEl>
-                                          <p:spTgt spid="4">
-                                            <p:txEl>
-                                              <p:pRg st="6" end="6"/>
-                                            </p:txEl>
-                                          </p:spTgt>
-                                        </p:tgtEl>
-                                        <p:attrNameLst>
-                                          <p:attrName>style.visibility</p:attrName>
-                                        </p:attrNameLst>
-                                      </p:cBhvr>
-                                      <p:to>
-                                        <p:strVal val="visible"/>
-                                      </p:to>
-                                    </p:set>
-                                  </p:childTnLst>
-                                </p:cTn>
-                              </p:par>
-                              <p:par>
-                                <p:cTn id="7" presetID="1" presetClass="entr" presetSubtype="0" fill="hold" nodeType="withEffect">
-                                  <p:stCondLst>
-                                    <p:cond delay="0"/>
-                                  </p:stCondLst>
-                                  <p:childTnLst>
-                                    <p:set>
-                                      <p:cBhvr>
-                                        <p:cTn id="8" dur="1" fill="hold">
-                                          <p:stCondLst>
-                                            <p:cond delay="0"/>
-                                          </p:stCondLst>
-                                        </p:cTn>
-                                        <p:tgtEl>
-                                          <p:spTgt spid="4">
-                                            <p:txEl>
-                                              <p:pRg st="7" end="7"/>
-                                            </p:txEl>
-                                          </p:spTgt>
-                                        </p:tgtEl>
-                                        <p:attrNameLst>
-                                          <p:attrName>style.visibility</p:attrName>
-                                        </p:attrNameLst>
-                                      </p:cBhvr>
-                                      <p:to>
-                                        <p:strVal val="visible"/>
-                                      </p:to>
-                                    </p:set>
-                                  </p:childTnLst>
-                                </p:cTn>
-                              </p:par>
-                              <p:par>
-                                <p:cTn id="9" presetID="1" presetClass="entr" presetSubtype="0" fill="hold" nodeType="withEffect">
-                                  <p:stCondLst>
-                                    <p:cond delay="0"/>
-                                  </p:stCondLst>
-                                  <p:childTnLst>
-                                    <p:set>
-                                      <p:cBhvr>
-                                        <p:cTn id="10" dur="1" fill="hold">
-                                          <p:stCondLst>
-                                            <p:cond delay="0"/>
-                                          </p:stCondLst>
-                                        </p:cTn>
-                                        <p:tgtEl>
-                                          <p:spTgt spid="4">
-                                            <p:txEl>
-                                              <p:pRg st="8" end="8"/>
-                                            </p:txEl>
-                                          </p:spTgt>
-                                        </p:tgtEl>
-                                        <p:attrNameLst>
-                                          <p:attrName>style.visibility</p:attrName>
-                                        </p:attrNameLst>
-                                      </p:cBhvr>
-                                      <p:to>
-                                        <p:strVal val="visible"/>
-                                      </p:to>
-                                    </p:set>
-                                  </p:childTnLst>
-                                </p:cTn>
-                              </p:par>
-                            </p:childTnLst>
-                          </p:cTn>
-                        </p:par>
-                      </p:childTnLst>
-                    </p:cTn>
-                  </p:par>
-                  <p:par>
-                    <p:cTn id="11" fill="hold">
-                      <p:stCondLst>
-                        <p:cond delay="indefinite"/>
-                      </p:stCondLst>
-                      <p:childTnLst>
-                        <p:par>
-                          <p:cTn id="12" fill="hold">
-                            <p:stCondLst>
-                              <p:cond delay="0"/>
-                            </p:stCondLst>
-                            <p:childTnLst>
-                              <p:par>
-                                <p:cTn id="13" presetID="1" presetClass="entr" presetSubtype="0" fill="hold" nodeType="clickEffect">
-                                  <p:stCondLst>
-                                    <p:cond delay="0"/>
-                                  </p:stCondLst>
-                                  <p:childTnLst>
-                                    <p:set>
-                                      <p:cBhvr>
-                                        <p:cTn id="14" dur="1" fill="hold">
-                                          <p:stCondLst>
-                                            <p:cond delay="0"/>
-                                          </p:stCondLst>
-                                        </p:cTn>
-                                        <p:tgtEl>
-                                          <p:spTgt spid="4">
-                                            <p:txEl>
-                                              <p:pRg st="10" end="10"/>
-                                            </p:txEl>
-                                          </p:spTgt>
-                                        </p:tgtEl>
-                                        <p:attrNameLst>
-                                          <p:attrName>style.visibility</p:attrName>
-                                        </p:attrNameLst>
-                                      </p:cBhvr>
-                                      <p:to>
-                                        <p:strVal val="visible"/>
-                                      </p:to>
-                                    </p:set>
-                                  </p:childTnLst>
-                                </p:cTn>
-                              </p:par>
-                              <p:par>
-                                <p:cTn id="15" presetID="1" presetClass="entr" presetSubtype="0" fill="hold" nodeType="withEffect">
-                                  <p:stCondLst>
-                                    <p:cond delay="0"/>
-                                  </p:stCondLst>
-                                  <p:childTnLst>
-                                    <p:set>
-                                      <p:cBhvr>
-                                        <p:cTn id="16" dur="1" fill="hold">
-                                          <p:stCondLst>
-                                            <p:cond delay="0"/>
-                                          </p:stCondLst>
-                                        </p:cTn>
-                                        <p:tgtEl>
-                                          <p:spTgt spid="4">
-                                            <p:txEl>
-                                              <p:pRg st="11" end="11"/>
-                                            </p:txEl>
-                                          </p:spTgt>
-                                        </p:tgtEl>
-                                        <p:attrNameLst>
-                                          <p:attrName>style.visibility</p:attrName>
-                                        </p:attrNameLst>
-                                      </p:cBhvr>
-                                      <p:to>
-                                        <p:strVal val="visible"/>
-                                      </p:to>
-                                    </p:set>
-                                  </p:childTnLst>
-                                </p:cTn>
-                              </p:par>
-                              <p:par>
-                                <p:cTn id="17" presetID="1" presetClass="entr" presetSubtype="0" fill="hold" nodeType="withEffect">
-                                  <p:stCondLst>
-                                    <p:cond delay="0"/>
-                                  </p:stCondLst>
-                                  <p:childTnLst>
-                                    <p:set>
-                                      <p:cBhvr>
-                                        <p:cTn id="18" dur="1" fill="hold">
-                                          <p:stCondLst>
-                                            <p:cond delay="0"/>
-                                          </p:stCondLst>
-                                        </p:cTn>
-                                        <p:tgtEl>
-                                          <p:spTgt spid="4">
-                                            <p:txEl>
-                                              <p:pRg st="13" end="13"/>
-                                            </p:txEl>
-                                          </p:spTgt>
-                                        </p:tgtEl>
-                                        <p:attrNameLst>
-                                          <p:attrName>style.visibility</p:attrName>
-                                        </p:attrNameLst>
-                                      </p:cBhvr>
-                                      <p:to>
-                                        <p:strVal val="visible"/>
-                                      </p:to>
-                                    </p:set>
-                                  </p:childTnLst>
-                                </p:cTn>
-                              </p:par>
-                              <p:par>
-                                <p:cTn id="19" presetID="1" presetClass="entr" presetSubtype="0" fill="hold" nodeType="withEffect">
-                                  <p:stCondLst>
-                                    <p:cond delay="0"/>
-                                  </p:stCondLst>
-                                  <p:childTnLst>
-                                    <p:set>
-                                      <p:cBhvr>
-                                        <p:cTn id="20" dur="1" fill="hold">
-                                          <p:stCondLst>
-                                            <p:cond delay="0"/>
-                                          </p:stCondLst>
-                                        </p:cTn>
-                                        <p:tgtEl>
-                                          <p:spTgt spid="4">
-                                            <p:txEl>
-                                              <p:pRg st="14" end="14"/>
-                                            </p:txEl>
-                                          </p:spTgt>
-                                        </p:tgtEl>
-                                        <p:attrNameLst>
-                                          <p:attrName>style.visibility</p:attrName>
-                                        </p:attrNameLst>
-                                      </p:cBhvr>
-                                      <p:to>
-                                        <p:strVal val="visible"/>
-                                      </p:to>
-                                    </p:set>
-                                  </p:childTnLst>
-                                </p:cTn>
-                              </p:par>
-                              <p:par>
-                                <p:cTn id="21" presetID="1" presetClass="entr" presetSubtype="0" fill="hold" nodeType="withEffect">
-                                  <p:stCondLst>
-                                    <p:cond delay="0"/>
-                                  </p:stCondLst>
-                                  <p:childTnLst>
-                                    <p:set>
-                                      <p:cBhvr>
-                                        <p:cTn id="22" dur="1" fill="hold">
-                                          <p:stCondLst>
-                                            <p:cond delay="0"/>
-                                          </p:stCondLst>
-                                        </p:cTn>
-                                        <p:tgtEl>
-                                          <p:spTgt spid="4">
-                                            <p:txEl>
-                                              <p:pRg st="15" end="15"/>
-                                            </p:txEl>
-                                          </p:spTgt>
-                                        </p:tgtEl>
-                                        <p:attrNameLst>
-                                          <p:attrName>style.visibility</p:attrName>
-                                        </p:attrNameLst>
-                                      </p:cBhvr>
-                                      <p:to>
-                                        <p:strVal val="visible"/>
-                                      </p:to>
-                                    </p:set>
-                                  </p:childTnLst>
-                                </p:cTn>
-                              </p:par>
-                              <p:par>
-                                <p:cTn id="23" presetID="1" presetClass="entr" presetSubtype="0" fill="hold" nodeType="withEffect">
-                                  <p:stCondLst>
-                                    <p:cond delay="0"/>
-                                  </p:stCondLst>
-                                  <p:childTnLst>
-                                    <p:set>
-                                      <p:cBhvr>
-                                        <p:cTn id="24" dur="1" fill="hold">
-                                          <p:stCondLst>
-                                            <p:cond delay="0"/>
-                                          </p:stCondLst>
-                                        </p:cTn>
-                                        <p:tgtEl>
-                                          <p:spTgt spid="4">
-                                            <p:txEl>
-                                              <p:pRg st="16" end="16"/>
-                                            </p:txEl>
-                                          </p:spTgt>
-                                        </p:tgtEl>
-                                        <p:attrNameLst>
-                                          <p:attrName>style.visibility</p:attrName>
-                                        </p:attrNameLst>
-                                      </p:cBhvr>
-                                      <p:to>
-                                        <p:strVal val="visible"/>
-                                      </p:to>
-                                    </p:set>
-                                  </p:childTnLst>
-                                </p:cTn>
-                              </p:par>
-                            </p:childTnLst>
-                          </p:cTn>
-                        </p:par>
-                      </p:childTnLst>
-                    </p:cTn>
-                  </p:par>
-                </p:childTnLst>
-              </p:cTn>
-              <p:prevCondLst>
-                <p:cond evt="onPrev" delay="0">
-                  <p:tgtEl>
-                    <p:sldTgt/>
-                  </p:tgtEl>
-                </p:cond>
-              </p:prevCondLst>
-              <p:nextCondLst>
-                <p:cond evt="onNext" delay="0">
-                  <p:tgtEl>
-                    <p:sldTgt/>
-                  </p:tgtEl>
-                </p:cond>
-              </p:nextCondLst>
-            </p:seq>
-          </p:childTnLst>
-        </p:cTn>
-      </p:par>
-    </p:tnLst>
-  </p:timing>
-</p:sld>
-</file>
-
-<file path=ppt/slides/slide39.xml><?xml version="1.0" encoding="utf-8"?>
-<p:sld xmlns:a="http://schemas.openxmlformats.org/drawingml/2006/main" xmlns:r="http://schemas.openxmlformats.org/officeDocument/2006/relationships" xmlns:p="http://schemas.openxmlformats.org/presentationml/2006/main">
-  <p:cSld>
-    <p:spTree>
-      <p:nvGrpSpPr>
-        <p:cNvPr id="1" name=""/>
-        <p:cNvGrpSpPr/>
-        <p:nvPr/>
-      </p:nvGrpSpPr>
-      <p:grpSpPr>
-        <a:xfrm>
-          <a:off x="0" y="0"/>
-          <a:ext cx="0" cy="0"/>
-          <a:chOff x="0" y="0"/>
-          <a:chExt cx="0" cy="0"/>
-        </a:xfrm>
-      </p:grpSpPr>
-      <p:sp>
-        <p:nvSpPr>
-          <p:cNvPr id="2" name="Title 1"/>
-          <p:cNvSpPr>
-            <a:spLocks noGrp="1"/>
-          </p:cNvSpPr>
-          <p:nvPr>
-            <p:ph type="title"/>
-          </p:nvPr>
-        </p:nvSpPr>
-        <p:spPr/>
-        <p:txBody>
-          <a:bodyPr/>
-          <a:lstStyle/>
-          <a:p>
-            <a:r>
-              <a:rPr lang="en-US" dirty="0" smtClean="0"/>
-              <a:t>opening files for writing</a:t>
-            </a:r>
-            <a:endParaRPr lang="en-US" dirty="0"/>
-          </a:p>
-        </p:txBody>
-      </p:sp>
-      <p:sp>
-        <p:nvSpPr>
-          <p:cNvPr id="4" name="TextBox 3"/>
-          <p:cNvSpPr txBox="1"/>
-          <p:nvPr/>
-        </p:nvSpPr>
-        <p:spPr>
-          <a:xfrm>
-            <a:off x="457199" y="1727554"/>
-            <a:ext cx="8338444" cy="3693319"/>
-          </a:xfrm>
-          <a:prstGeom prst="rect">
-            <a:avLst/>
-          </a:prstGeom>
-          <a:noFill/>
-        </p:spPr>
-        <p:txBody>
-          <a:bodyPr wrap="square" rtlCol="0">
-            <a:spAutoFit/>
-          </a:bodyPr>
-          <a:lstStyle/>
-          <a:p>
-            <a:r>
-              <a:rPr lang="en-US" dirty="0" smtClean="0">
-                <a:latin typeface="Monaco"/>
-                <a:cs typeface="Monaco"/>
-              </a:rPr>
-              <a:t># Name of file to open</a:t>
-            </a:r>
-          </a:p>
-          <a:p>
-            <a:r>
-              <a:rPr lang="en-US" dirty="0" smtClean="0">
-                <a:latin typeface="Monaco"/>
-                <a:cs typeface="Monaco"/>
-              </a:rPr>
-              <a:t>filename = "my_file_to_write_to.txt"</a:t>
-            </a:r>
-          </a:p>
-          <a:p>
-            <a:endParaRPr lang="en-US" dirty="0">
-              <a:latin typeface="Monaco"/>
-              <a:cs typeface="Monaco"/>
-            </a:endParaRPr>
-          </a:p>
-          <a:p>
-            <a:r>
-              <a:rPr lang="en-US" dirty="0" smtClean="0">
-                <a:latin typeface="Monaco"/>
-                <a:cs typeface="Monaco"/>
-              </a:rPr>
-              <a:t># Define handle with the </a:t>
-            </a:r>
-            <a:r>
-              <a:rPr lang="en-US" i="1" dirty="0" smtClean="0">
-                <a:latin typeface="Monaco"/>
-                <a:cs typeface="Monaco"/>
-              </a:rPr>
-              <a:t>.open() </a:t>
-            </a:r>
-            <a:r>
-              <a:rPr lang="en-US" dirty="0" smtClean="0">
-                <a:latin typeface="Monaco"/>
-                <a:cs typeface="Monaco"/>
-              </a:rPr>
-              <a:t>function</a:t>
-            </a:r>
-          </a:p>
-          <a:p>
-            <a:r>
-              <a:rPr lang="en-US" dirty="0" smtClean="0">
-                <a:latin typeface="Monaco"/>
-                <a:cs typeface="Monaco"/>
-              </a:rPr>
-              <a:t>file_handle = </a:t>
-            </a:r>
-            <a:r>
-              <a:rPr lang="en-US" dirty="0" smtClean="0">
-                <a:solidFill>
-                  <a:srgbClr val="DC5924"/>
-                </a:solidFill>
-                <a:latin typeface="Monaco"/>
-                <a:cs typeface="Monaco"/>
-              </a:rPr>
-              <a:t>open</a:t>
-            </a:r>
-            <a:r>
-              <a:rPr lang="en-US" dirty="0" smtClean="0">
-                <a:latin typeface="Monaco"/>
-                <a:cs typeface="Monaco"/>
-              </a:rPr>
-              <a:t>(filename, </a:t>
-            </a:r>
-            <a:r>
-              <a:rPr lang="en-US" dirty="0" smtClean="0">
-                <a:solidFill>
-                  <a:srgbClr val="DC5924"/>
-                </a:solidFill>
-                <a:latin typeface="Monaco"/>
-                <a:cs typeface="Monaco"/>
-              </a:rPr>
-              <a:t>"w"</a:t>
-            </a:r>
-            <a:r>
-              <a:rPr lang="en-US" dirty="0" smtClean="0">
-                <a:latin typeface="Monaco"/>
-                <a:cs typeface="Monaco"/>
-              </a:rPr>
-              <a:t>)  # note the mode!</a:t>
-            </a:r>
-          </a:p>
-          <a:p>
-            <a:endParaRPr lang="en-US" dirty="0">
-              <a:latin typeface="Monaco"/>
-              <a:cs typeface="Monaco"/>
-            </a:endParaRPr>
-          </a:p>
-          <a:p>
-            <a:r>
-              <a:rPr lang="en-US" dirty="0" smtClean="0">
-                <a:latin typeface="Monaco"/>
-                <a:cs typeface="Monaco"/>
-              </a:rPr>
-              <a:t># Write to the file with the </a:t>
-            </a:r>
-            <a:r>
-              <a:rPr lang="en-US" i="1" dirty="0" smtClean="0">
-                <a:latin typeface="Monaco"/>
-                <a:cs typeface="Monaco"/>
-              </a:rPr>
-              <a:t>.write()</a:t>
-            </a:r>
-            <a:r>
-              <a:rPr lang="en-US" dirty="0">
-                <a:latin typeface="Monaco"/>
-                <a:cs typeface="Monaco"/>
-              </a:rPr>
-              <a:t> </a:t>
-            </a:r>
-            <a:r>
-              <a:rPr lang="en-US" dirty="0" smtClean="0">
-                <a:latin typeface="Monaco"/>
-                <a:cs typeface="Monaco"/>
-              </a:rPr>
-              <a:t>method</a:t>
-            </a:r>
-          </a:p>
-          <a:p>
-            <a:r>
-              <a:rPr lang="en-US" dirty="0" smtClean="0">
-                <a:latin typeface="Monaco"/>
-                <a:cs typeface="Monaco"/>
-              </a:rPr>
-              <a:t>file_handle</a:t>
-            </a:r>
-            <a:r>
-              <a:rPr lang="en-US" dirty="0" smtClean="0">
-                <a:solidFill>
-                  <a:schemeClr val="accent5"/>
-                </a:solidFill>
-                <a:latin typeface="Monaco"/>
-                <a:cs typeface="Monaco"/>
-              </a:rPr>
-              <a:t>.write(</a:t>
-            </a:r>
-            <a:r>
-              <a:rPr lang="en-US" dirty="0" smtClean="0">
-                <a:latin typeface="Monaco"/>
-                <a:cs typeface="Monaco"/>
-              </a:rPr>
-              <a:t>"Line 1 of the file.</a:t>
-            </a:r>
-            <a:r>
-              <a:rPr lang="en-US" dirty="0" smtClean="0">
-                <a:solidFill>
-                  <a:schemeClr val="tx2"/>
-                </a:solidFill>
-                <a:latin typeface="Monaco"/>
-                <a:cs typeface="Monaco"/>
-              </a:rPr>
-              <a:t>\n</a:t>
-            </a:r>
-            <a:r>
-              <a:rPr lang="en-US" dirty="0" smtClean="0">
-                <a:latin typeface="Monaco"/>
-                <a:cs typeface="Monaco"/>
-              </a:rPr>
-              <a:t>"</a:t>
-            </a:r>
-            <a:r>
-              <a:rPr lang="en-US" dirty="0" smtClean="0">
-                <a:solidFill>
-                  <a:schemeClr val="accent5"/>
-                </a:solidFill>
-                <a:latin typeface="Monaco"/>
-                <a:cs typeface="Monaco"/>
-              </a:rPr>
-              <a:t>)</a:t>
-            </a:r>
-          </a:p>
-          <a:p>
-            <a:r>
-              <a:rPr lang="en-US" dirty="0">
-                <a:latin typeface="Monaco"/>
-                <a:cs typeface="Monaco"/>
-              </a:rPr>
-              <a:t>file_handle</a:t>
-            </a:r>
-            <a:r>
-              <a:rPr lang="en-US" dirty="0">
-                <a:solidFill>
-                  <a:schemeClr val="accent5"/>
-                </a:solidFill>
-                <a:latin typeface="Monaco"/>
-                <a:cs typeface="Monaco"/>
-              </a:rPr>
-              <a:t>.write(</a:t>
-            </a:r>
-            <a:r>
-              <a:rPr lang="en-US" dirty="0">
-                <a:latin typeface="Monaco"/>
-                <a:cs typeface="Monaco"/>
-              </a:rPr>
-              <a:t>"Line </a:t>
-            </a:r>
-            <a:r>
-              <a:rPr lang="en-US" dirty="0" smtClean="0">
-                <a:latin typeface="Monaco"/>
-                <a:cs typeface="Monaco"/>
-              </a:rPr>
-              <a:t>2 </a:t>
-            </a:r>
-            <a:r>
-              <a:rPr lang="en-US" dirty="0">
-                <a:latin typeface="Monaco"/>
-                <a:cs typeface="Monaco"/>
-              </a:rPr>
-              <a:t>of the file.</a:t>
-            </a:r>
-            <a:r>
-              <a:rPr lang="en-US" dirty="0">
-                <a:solidFill>
-                  <a:srgbClr val="D1282E"/>
-                </a:solidFill>
-                <a:latin typeface="Monaco"/>
-                <a:cs typeface="Monaco"/>
-              </a:rPr>
-              <a:t>\n</a:t>
-            </a:r>
-            <a:r>
-              <a:rPr lang="en-US" dirty="0">
-                <a:latin typeface="Monaco"/>
-                <a:cs typeface="Monaco"/>
-              </a:rPr>
-              <a:t>"</a:t>
-            </a:r>
-            <a:r>
-              <a:rPr lang="en-US" dirty="0">
-                <a:solidFill>
-                  <a:schemeClr val="accent5"/>
-                </a:solidFill>
-                <a:latin typeface="Monaco"/>
-                <a:cs typeface="Monaco"/>
-              </a:rPr>
-              <a:t>)</a:t>
-            </a:r>
-          </a:p>
-          <a:p>
-            <a:endParaRPr lang="en-US" dirty="0">
-              <a:latin typeface="Monaco"/>
-              <a:cs typeface="Monaco"/>
-            </a:endParaRPr>
-          </a:p>
-          <a:p>
-            <a:r>
-              <a:rPr lang="en-US" dirty="0" smtClean="0">
-                <a:latin typeface="Monaco"/>
-                <a:cs typeface="Monaco"/>
-              </a:rPr>
-              <a:t># Close the file when done with the </a:t>
-            </a:r>
-            <a:r>
-              <a:rPr lang="en-US" i="1" dirty="0" smtClean="0">
-                <a:latin typeface="Monaco"/>
-                <a:cs typeface="Monaco"/>
-              </a:rPr>
-              <a:t>.close()</a:t>
-            </a:r>
-            <a:r>
-              <a:rPr lang="en-US" dirty="0" smtClean="0">
-                <a:latin typeface="Monaco"/>
-                <a:cs typeface="Monaco"/>
-              </a:rPr>
-              <a:t> method (!!!)</a:t>
-            </a:r>
-          </a:p>
-          <a:p>
-            <a:r>
-              <a:rPr lang="en-US" dirty="0" smtClean="0">
-                <a:latin typeface="Monaco"/>
-                <a:cs typeface="Monaco"/>
-              </a:rPr>
-              <a:t>file_handle</a:t>
-            </a:r>
-            <a:r>
-              <a:rPr lang="en-US" dirty="0" smtClean="0">
-                <a:solidFill>
-                  <a:srgbClr val="DC5924"/>
-                </a:solidFill>
-                <a:latin typeface="Monaco"/>
-                <a:cs typeface="Monaco"/>
-              </a:rPr>
-              <a:t>.close()</a:t>
-            </a:r>
-          </a:p>
-          <a:p>
-            <a:endParaRPr lang="en-US" dirty="0" smtClean="0">
-              <a:latin typeface="Monaco"/>
-              <a:cs typeface="Monaco"/>
-            </a:endParaRPr>
-          </a:p>
-        </p:txBody>
-      </p:sp>
-    </p:spTree>
-    <p:extLst>
-      <p:ext uri="{BB962C8B-B14F-4D97-AF65-F5344CB8AC3E}">
-        <p14:creationId xmlns:p14="http://schemas.microsoft.com/office/powerpoint/2010/main" val="2012922862"/>
       </p:ext>
     </p:extLst>
   </p:cSld>
@@ -14898,1970 +12113,6 @@
 </p:sld>
 </file>
 
-<file path=ppt/slides/slide40.xml><?xml version="1.0" encoding="utf-8"?>
-<p:sld xmlns:a="http://schemas.openxmlformats.org/drawingml/2006/main" xmlns:r="http://schemas.openxmlformats.org/officeDocument/2006/relationships" xmlns:p="http://schemas.openxmlformats.org/presentationml/2006/main">
-  <p:cSld>
-    <p:spTree>
-      <p:nvGrpSpPr>
-        <p:cNvPr id="1" name=""/>
-        <p:cNvGrpSpPr/>
-        <p:nvPr/>
-      </p:nvGrpSpPr>
-      <p:grpSpPr>
-        <a:xfrm>
-          <a:off x="0" y="0"/>
-          <a:ext cx="0" cy="0"/>
-          <a:chOff x="0" y="0"/>
-          <a:chExt cx="0" cy="0"/>
-        </a:xfrm>
-      </p:grpSpPr>
-      <p:sp>
-        <p:nvSpPr>
-          <p:cNvPr id="2" name="Title 1"/>
-          <p:cNvSpPr>
-            <a:spLocks noGrp="1"/>
-          </p:cNvSpPr>
-          <p:nvPr>
-            <p:ph type="title"/>
-          </p:nvPr>
-        </p:nvSpPr>
-        <p:spPr/>
-        <p:txBody>
-          <a:bodyPr/>
-          <a:lstStyle/>
-          <a:p>
-            <a:r>
-              <a:rPr lang="en-US" dirty="0" smtClean="0"/>
-              <a:t>opening files for writing</a:t>
-            </a:r>
-            <a:endParaRPr lang="en-US" dirty="0"/>
-          </a:p>
-        </p:txBody>
-      </p:sp>
-      <p:sp>
-        <p:nvSpPr>
-          <p:cNvPr id="4" name="TextBox 3"/>
-          <p:cNvSpPr txBox="1"/>
-          <p:nvPr/>
-        </p:nvSpPr>
-        <p:spPr>
-          <a:xfrm>
-            <a:off x="457199" y="1727554"/>
-            <a:ext cx="8338444" cy="3693319"/>
-          </a:xfrm>
-          <a:prstGeom prst="rect">
-            <a:avLst/>
-          </a:prstGeom>
-          <a:noFill/>
-        </p:spPr>
-        <p:txBody>
-          <a:bodyPr wrap="square" rtlCol="0">
-            <a:spAutoFit/>
-          </a:bodyPr>
-          <a:lstStyle/>
-          <a:p>
-            <a:r>
-              <a:rPr lang="en-US" dirty="0" smtClean="0">
-                <a:latin typeface="Monaco"/>
-                <a:cs typeface="Monaco"/>
-              </a:rPr>
-              <a:t># Name of file to open</a:t>
-            </a:r>
-          </a:p>
-          <a:p>
-            <a:r>
-              <a:rPr lang="en-US" dirty="0" smtClean="0">
-                <a:latin typeface="Monaco"/>
-                <a:cs typeface="Monaco"/>
-              </a:rPr>
-              <a:t>filename = "my_file_to_write_to.txt"</a:t>
-            </a:r>
-          </a:p>
-          <a:p>
-            <a:endParaRPr lang="en-US" dirty="0">
-              <a:latin typeface="Monaco"/>
-              <a:cs typeface="Monaco"/>
-            </a:endParaRPr>
-          </a:p>
-          <a:p>
-            <a:r>
-              <a:rPr lang="en-US" dirty="0" smtClean="0">
-                <a:latin typeface="Monaco"/>
-                <a:cs typeface="Monaco"/>
-              </a:rPr>
-              <a:t># Define handle with the </a:t>
-            </a:r>
-            <a:r>
-              <a:rPr lang="en-US" i="1" dirty="0" smtClean="0">
-                <a:latin typeface="Monaco"/>
-                <a:cs typeface="Monaco"/>
-              </a:rPr>
-              <a:t>.open() </a:t>
-            </a:r>
-            <a:r>
-              <a:rPr lang="en-US" dirty="0" smtClean="0">
-                <a:latin typeface="Monaco"/>
-                <a:cs typeface="Monaco"/>
-              </a:rPr>
-              <a:t>function</a:t>
-            </a:r>
-          </a:p>
-          <a:p>
-            <a:r>
-              <a:rPr lang="en-US" dirty="0" smtClean="0">
-                <a:latin typeface="Monaco"/>
-                <a:cs typeface="Monaco"/>
-              </a:rPr>
-              <a:t>file_handle = </a:t>
-            </a:r>
-            <a:r>
-              <a:rPr lang="en-US" dirty="0" smtClean="0">
-                <a:solidFill>
-                  <a:srgbClr val="DC5924"/>
-                </a:solidFill>
-                <a:latin typeface="Monaco"/>
-                <a:cs typeface="Monaco"/>
-              </a:rPr>
-              <a:t>open</a:t>
-            </a:r>
-            <a:r>
-              <a:rPr lang="en-US" dirty="0" smtClean="0">
-                <a:latin typeface="Monaco"/>
-                <a:cs typeface="Monaco"/>
-              </a:rPr>
-              <a:t>(filename, </a:t>
-            </a:r>
-            <a:r>
-              <a:rPr lang="en-US" dirty="0" smtClean="0">
-                <a:solidFill>
-                  <a:srgbClr val="DC5924"/>
-                </a:solidFill>
-                <a:latin typeface="Monaco"/>
-                <a:cs typeface="Monaco"/>
-              </a:rPr>
-              <a:t>"w"</a:t>
-            </a:r>
-            <a:r>
-              <a:rPr lang="en-US" dirty="0" smtClean="0">
-                <a:latin typeface="Monaco"/>
-                <a:cs typeface="Monaco"/>
-              </a:rPr>
-              <a:t>)  # note the mode!</a:t>
-            </a:r>
-          </a:p>
-          <a:p>
-            <a:endParaRPr lang="en-US" dirty="0">
-              <a:latin typeface="Monaco"/>
-              <a:cs typeface="Monaco"/>
-            </a:endParaRPr>
-          </a:p>
-          <a:p>
-            <a:r>
-              <a:rPr lang="en-US" dirty="0" smtClean="0">
-                <a:latin typeface="Monaco"/>
-                <a:cs typeface="Monaco"/>
-              </a:rPr>
-              <a:t># Write to the file with the </a:t>
-            </a:r>
-            <a:r>
-              <a:rPr lang="en-US" i="1" dirty="0" smtClean="0">
-                <a:latin typeface="Monaco"/>
-                <a:cs typeface="Monaco"/>
-              </a:rPr>
-              <a:t>.write()</a:t>
-            </a:r>
-            <a:r>
-              <a:rPr lang="en-US" dirty="0">
-                <a:latin typeface="Monaco"/>
-                <a:cs typeface="Monaco"/>
-              </a:rPr>
-              <a:t> </a:t>
-            </a:r>
-            <a:r>
-              <a:rPr lang="en-US" dirty="0" smtClean="0">
-                <a:latin typeface="Monaco"/>
-                <a:cs typeface="Monaco"/>
-              </a:rPr>
-              <a:t>method</a:t>
-            </a:r>
-          </a:p>
-          <a:p>
-            <a:r>
-              <a:rPr lang="en-US" dirty="0" smtClean="0">
-                <a:latin typeface="Monaco"/>
-                <a:cs typeface="Monaco"/>
-              </a:rPr>
-              <a:t>file_handle</a:t>
-            </a:r>
-            <a:r>
-              <a:rPr lang="en-US" dirty="0" smtClean="0">
-                <a:solidFill>
-                  <a:schemeClr val="accent5"/>
-                </a:solidFill>
-                <a:latin typeface="Monaco"/>
-                <a:cs typeface="Monaco"/>
-              </a:rPr>
-              <a:t>.write(</a:t>
-            </a:r>
-            <a:r>
-              <a:rPr lang="en-US" dirty="0" smtClean="0">
-                <a:latin typeface="Monaco"/>
-                <a:cs typeface="Monaco"/>
-              </a:rPr>
-              <a:t>"Line 1 of the file.</a:t>
-            </a:r>
-            <a:r>
-              <a:rPr lang="en-US" dirty="0" smtClean="0">
-                <a:solidFill>
-                  <a:srgbClr val="D1282E"/>
-                </a:solidFill>
-                <a:latin typeface="Monaco"/>
-                <a:cs typeface="Monaco"/>
-              </a:rPr>
-              <a:t>\n</a:t>
-            </a:r>
-            <a:r>
-              <a:rPr lang="en-US" dirty="0" smtClean="0">
-                <a:latin typeface="Monaco"/>
-                <a:cs typeface="Monaco"/>
-              </a:rPr>
-              <a:t>"</a:t>
-            </a:r>
-            <a:r>
-              <a:rPr lang="en-US" dirty="0" smtClean="0">
-                <a:solidFill>
-                  <a:schemeClr val="accent5"/>
-                </a:solidFill>
-                <a:latin typeface="Monaco"/>
-                <a:cs typeface="Monaco"/>
-              </a:rPr>
-              <a:t>)</a:t>
-            </a:r>
-          </a:p>
-          <a:p>
-            <a:r>
-              <a:rPr lang="en-US" dirty="0">
-                <a:latin typeface="Monaco"/>
-                <a:cs typeface="Monaco"/>
-              </a:rPr>
-              <a:t>file_handle</a:t>
-            </a:r>
-            <a:r>
-              <a:rPr lang="en-US" dirty="0">
-                <a:solidFill>
-                  <a:schemeClr val="accent5"/>
-                </a:solidFill>
-                <a:latin typeface="Monaco"/>
-                <a:cs typeface="Monaco"/>
-              </a:rPr>
-              <a:t>.write(</a:t>
-            </a:r>
-            <a:r>
-              <a:rPr lang="en-US" dirty="0">
-                <a:latin typeface="Monaco"/>
-                <a:cs typeface="Monaco"/>
-              </a:rPr>
-              <a:t>"Line </a:t>
-            </a:r>
-            <a:r>
-              <a:rPr lang="en-US" dirty="0" smtClean="0">
-                <a:latin typeface="Monaco"/>
-                <a:cs typeface="Monaco"/>
-              </a:rPr>
-              <a:t>2 </a:t>
-            </a:r>
-            <a:r>
-              <a:rPr lang="en-US" dirty="0">
-                <a:latin typeface="Monaco"/>
-                <a:cs typeface="Monaco"/>
-              </a:rPr>
-              <a:t>of the file.</a:t>
-            </a:r>
-            <a:r>
-              <a:rPr lang="en-US" dirty="0">
-                <a:solidFill>
-                  <a:srgbClr val="D1282E"/>
-                </a:solidFill>
-                <a:latin typeface="Monaco"/>
-                <a:cs typeface="Monaco"/>
-              </a:rPr>
-              <a:t>\n</a:t>
-            </a:r>
-            <a:r>
-              <a:rPr lang="en-US" dirty="0">
-                <a:latin typeface="Monaco"/>
-                <a:cs typeface="Monaco"/>
-              </a:rPr>
-              <a:t>"</a:t>
-            </a:r>
-            <a:r>
-              <a:rPr lang="en-US" dirty="0">
-                <a:solidFill>
-                  <a:schemeClr val="accent5"/>
-                </a:solidFill>
-                <a:latin typeface="Monaco"/>
-                <a:cs typeface="Monaco"/>
-              </a:rPr>
-              <a:t>)</a:t>
-            </a:r>
-          </a:p>
-          <a:p>
-            <a:endParaRPr lang="en-US" dirty="0">
-              <a:latin typeface="Monaco"/>
-              <a:cs typeface="Monaco"/>
-            </a:endParaRPr>
-          </a:p>
-          <a:p>
-            <a:r>
-              <a:rPr lang="en-US" dirty="0" smtClean="0">
-                <a:latin typeface="Monaco"/>
-                <a:cs typeface="Monaco"/>
-              </a:rPr>
-              <a:t># Close the file when done with the </a:t>
-            </a:r>
-            <a:r>
-              <a:rPr lang="en-US" i="1" dirty="0" smtClean="0">
-                <a:latin typeface="Monaco"/>
-                <a:cs typeface="Monaco"/>
-              </a:rPr>
-              <a:t>.close()</a:t>
-            </a:r>
-            <a:r>
-              <a:rPr lang="en-US" dirty="0" smtClean="0">
-                <a:latin typeface="Monaco"/>
-                <a:cs typeface="Monaco"/>
-              </a:rPr>
-              <a:t> method (!!!)</a:t>
-            </a:r>
-          </a:p>
-          <a:p>
-            <a:r>
-              <a:rPr lang="en-US" dirty="0" smtClean="0">
-                <a:latin typeface="Monaco"/>
-                <a:cs typeface="Monaco"/>
-              </a:rPr>
-              <a:t>file_handle</a:t>
-            </a:r>
-            <a:r>
-              <a:rPr lang="en-US" dirty="0" smtClean="0">
-                <a:solidFill>
-                  <a:srgbClr val="DC5924"/>
-                </a:solidFill>
-                <a:latin typeface="Monaco"/>
-                <a:cs typeface="Monaco"/>
-              </a:rPr>
-              <a:t>.close()</a:t>
-            </a:r>
-          </a:p>
-          <a:p>
-            <a:endParaRPr lang="en-US" dirty="0" smtClean="0">
-              <a:latin typeface="Monaco"/>
-              <a:cs typeface="Monaco"/>
-            </a:endParaRPr>
-          </a:p>
-        </p:txBody>
-      </p:sp>
-      <p:sp>
-        <p:nvSpPr>
-          <p:cNvPr id="5" name="TextBox 4"/>
-          <p:cNvSpPr txBox="1"/>
-          <p:nvPr/>
-        </p:nvSpPr>
-        <p:spPr>
-          <a:xfrm>
-            <a:off x="1002201" y="5745948"/>
-            <a:ext cx="7309152" cy="400110"/>
-          </a:xfrm>
-          <a:prstGeom prst="rect">
-            <a:avLst/>
-          </a:prstGeom>
-          <a:noFill/>
-        </p:spPr>
-        <p:txBody>
-          <a:bodyPr wrap="square" rtlCol="0">
-            <a:spAutoFit/>
-          </a:bodyPr>
-          <a:lstStyle/>
-          <a:p>
-            <a:r>
-              <a:rPr lang="en-US" sz="2000" dirty="0" smtClean="0">
-                <a:solidFill>
-                  <a:srgbClr val="DC5924"/>
-                </a:solidFill>
-              </a:rPr>
-              <a:t>CAUTION: writing to file </a:t>
-            </a:r>
-            <a:r>
-              <a:rPr lang="en-US" sz="2000" b="1" dirty="0" smtClean="0">
-                <a:solidFill>
-                  <a:srgbClr val="DC5924"/>
-                </a:solidFill>
-              </a:rPr>
-              <a:t>overwrites</a:t>
-            </a:r>
-            <a:r>
-              <a:rPr lang="en-US" sz="2000" i="1" dirty="0" smtClean="0">
-                <a:solidFill>
-                  <a:srgbClr val="DC5924"/>
-                </a:solidFill>
-              </a:rPr>
-              <a:t> </a:t>
-            </a:r>
-            <a:r>
-              <a:rPr lang="en-US" sz="2000" dirty="0" smtClean="0">
-                <a:solidFill>
-                  <a:srgbClr val="DC5924"/>
-                </a:solidFill>
-              </a:rPr>
-              <a:t>the file, if it exists already.</a:t>
-            </a:r>
-            <a:endParaRPr lang="en-US" sz="2000" dirty="0">
-              <a:solidFill>
-                <a:srgbClr val="DC5924"/>
-              </a:solidFill>
-            </a:endParaRPr>
-          </a:p>
-        </p:txBody>
-      </p:sp>
-    </p:spTree>
-    <p:extLst>
-      <p:ext uri="{BB962C8B-B14F-4D97-AF65-F5344CB8AC3E}">
-        <p14:creationId xmlns:p14="http://schemas.microsoft.com/office/powerpoint/2010/main" val="1407781261"/>
-      </p:ext>
-    </p:extLst>
-  </p:cSld>
-  <p:clrMapOvr>
-    <a:masterClrMapping/>
-  </p:clrMapOvr>
-  <p:timing>
-    <p:tnLst>
-      <p:par>
-        <p:cTn xmlns:p14="http://schemas.microsoft.com/office/powerpoint/2010/main" id="1" dur="indefinite" restart="never" nodeType="tmRoot">
-          <p:childTnLst>
-            <p:seq concurrent="1" nextAc="seek">
-              <p:cTn id="2" dur="indefinite" nodeType="mainSeq">
-                <p:childTnLst>
-                  <p:par>
-                    <p:cTn id="3" fill="hold">
-                      <p:stCondLst>
-                        <p:cond delay="indefinite"/>
-                      </p:stCondLst>
-                      <p:childTnLst>
-                        <p:par>
-                          <p:cTn id="4" fill="hold">
-                            <p:stCondLst>
-                              <p:cond delay="0"/>
-                            </p:stCondLst>
-                            <p:childTnLst>
-                              <p:par>
-                                <p:cTn id="5" presetID="1" presetClass="entr" presetSubtype="0" fill="hold" grpId="0" nodeType="clickEffect">
-                                  <p:stCondLst>
-                                    <p:cond delay="0"/>
-                                  </p:stCondLst>
-                                  <p:childTnLst>
-                                    <p:set>
-                                      <p:cBhvr>
-                                        <p:cTn id="6" dur="1" fill="hold">
-                                          <p:stCondLst>
-                                            <p:cond delay="0"/>
-                                          </p:stCondLst>
-                                        </p:cTn>
-                                        <p:tgtEl>
-                                          <p:spTgt spid="5"/>
-                                        </p:tgtEl>
-                                        <p:attrNameLst>
-                                          <p:attrName>style.visibility</p:attrName>
-                                        </p:attrNameLst>
-                                      </p:cBhvr>
-                                      <p:to>
-                                        <p:strVal val="visible"/>
-                                      </p:to>
-                                    </p:set>
-                                  </p:childTnLst>
-                                </p:cTn>
-                              </p:par>
-                            </p:childTnLst>
-                          </p:cTn>
-                        </p:par>
-                      </p:childTnLst>
-                    </p:cTn>
-                  </p:par>
-                </p:childTnLst>
-              </p:cTn>
-              <p:prevCondLst>
-                <p:cond evt="onPrev" delay="0">
-                  <p:tgtEl>
-                    <p:sldTgt/>
-                  </p:tgtEl>
-                </p:cond>
-              </p:prevCondLst>
-              <p:nextCondLst>
-                <p:cond evt="onNext" delay="0">
-                  <p:tgtEl>
-                    <p:sldTgt/>
-                  </p:tgtEl>
-                </p:cond>
-              </p:nextCondLst>
-            </p:seq>
-          </p:childTnLst>
-        </p:cTn>
-      </p:par>
-    </p:tnLst>
-    <p:bldLst>
-      <p:bldP spid="5" grpId="0"/>
-    </p:bldLst>
-  </p:timing>
-</p:sld>
-</file>
-
-<file path=ppt/slides/slide41.xml><?xml version="1.0" encoding="utf-8"?>
-<p:sld xmlns:a="http://schemas.openxmlformats.org/drawingml/2006/main" xmlns:r="http://schemas.openxmlformats.org/officeDocument/2006/relationships" xmlns:p="http://schemas.openxmlformats.org/presentationml/2006/main">
-  <p:cSld>
-    <p:spTree>
-      <p:nvGrpSpPr>
-        <p:cNvPr id="1" name=""/>
-        <p:cNvGrpSpPr/>
-        <p:nvPr/>
-      </p:nvGrpSpPr>
-      <p:grpSpPr>
-        <a:xfrm>
-          <a:off x="0" y="0"/>
-          <a:ext cx="0" cy="0"/>
-          <a:chOff x="0" y="0"/>
-          <a:chExt cx="0" cy="0"/>
-        </a:xfrm>
-      </p:grpSpPr>
-      <p:sp>
-        <p:nvSpPr>
-          <p:cNvPr id="2" name="Title 1"/>
-          <p:cNvSpPr>
-            <a:spLocks noGrp="1"/>
-          </p:cNvSpPr>
-          <p:nvPr>
-            <p:ph type="title"/>
-          </p:nvPr>
-        </p:nvSpPr>
-        <p:spPr/>
-        <p:txBody>
-          <a:bodyPr/>
-          <a:lstStyle/>
-          <a:p>
-            <a:r>
-              <a:rPr lang="en-US" dirty="0" smtClean="0"/>
-              <a:t>Add to an existing file with append-mode</a:t>
-            </a:r>
-            <a:endParaRPr lang="en-US" dirty="0"/>
-          </a:p>
-        </p:txBody>
-      </p:sp>
-      <p:sp>
-        <p:nvSpPr>
-          <p:cNvPr id="5" name="TextBox 4"/>
-          <p:cNvSpPr txBox="1"/>
-          <p:nvPr/>
-        </p:nvSpPr>
-        <p:spPr>
-          <a:xfrm>
-            <a:off x="457199" y="1727554"/>
-            <a:ext cx="8338444" cy="3139321"/>
-          </a:xfrm>
-          <a:prstGeom prst="rect">
-            <a:avLst/>
-          </a:prstGeom>
-          <a:noFill/>
-        </p:spPr>
-        <p:txBody>
-          <a:bodyPr wrap="square" rtlCol="0">
-            <a:spAutoFit/>
-          </a:bodyPr>
-          <a:lstStyle/>
-          <a:p>
-            <a:r>
-              <a:rPr lang="en-US" dirty="0" smtClean="0">
-                <a:latin typeface="Monaco"/>
-                <a:cs typeface="Monaco"/>
-              </a:rPr>
-              <a:t>filename = "</a:t>
-            </a:r>
-            <a:r>
-              <a:rPr lang="en-US" dirty="0" err="1" smtClean="0">
-                <a:latin typeface="Monaco"/>
-                <a:cs typeface="Monaco"/>
-              </a:rPr>
-              <a:t>my_file_to_append_to.txt</a:t>
-            </a:r>
-            <a:r>
-              <a:rPr lang="en-US" dirty="0" smtClean="0">
-                <a:latin typeface="Monaco"/>
-                <a:cs typeface="Monaco"/>
-              </a:rPr>
-              <a:t>"</a:t>
-            </a:r>
-          </a:p>
-          <a:p>
-            <a:endParaRPr lang="en-US" dirty="0">
-              <a:latin typeface="Monaco"/>
-              <a:cs typeface="Monaco"/>
-            </a:endParaRPr>
-          </a:p>
-          <a:p>
-            <a:r>
-              <a:rPr lang="en-US" dirty="0" smtClean="0">
-                <a:latin typeface="Monaco"/>
-                <a:cs typeface="Monaco"/>
-              </a:rPr>
-              <a:t># Define handle with the </a:t>
-            </a:r>
-            <a:r>
-              <a:rPr lang="en-US" i="1" dirty="0" smtClean="0">
-                <a:latin typeface="Monaco"/>
-                <a:cs typeface="Monaco"/>
-              </a:rPr>
-              <a:t>.open() </a:t>
-            </a:r>
-            <a:r>
-              <a:rPr lang="en-US" dirty="0" smtClean="0">
-                <a:latin typeface="Monaco"/>
-                <a:cs typeface="Monaco"/>
-              </a:rPr>
-              <a:t>function</a:t>
-            </a:r>
-          </a:p>
-          <a:p>
-            <a:r>
-              <a:rPr lang="en-US" dirty="0" smtClean="0">
-                <a:latin typeface="Monaco"/>
-                <a:cs typeface="Monaco"/>
-              </a:rPr>
-              <a:t>file_handle = </a:t>
-            </a:r>
-            <a:r>
-              <a:rPr lang="en-US" dirty="0" smtClean="0">
-                <a:solidFill>
-                  <a:srgbClr val="DC5924"/>
-                </a:solidFill>
-                <a:latin typeface="Monaco"/>
-                <a:cs typeface="Monaco"/>
-              </a:rPr>
-              <a:t>open</a:t>
-            </a:r>
-            <a:r>
-              <a:rPr lang="en-US" dirty="0" smtClean="0">
-                <a:latin typeface="Monaco"/>
-                <a:cs typeface="Monaco"/>
-              </a:rPr>
-              <a:t>(filename, </a:t>
-            </a:r>
-            <a:r>
-              <a:rPr lang="en-US" dirty="0" smtClean="0">
-                <a:solidFill>
-                  <a:srgbClr val="DC5924"/>
-                </a:solidFill>
-                <a:latin typeface="Monaco"/>
-                <a:cs typeface="Monaco"/>
-              </a:rPr>
-              <a:t>"a"</a:t>
-            </a:r>
-            <a:r>
-              <a:rPr lang="en-US" dirty="0" smtClean="0">
-                <a:latin typeface="Monaco"/>
-                <a:cs typeface="Monaco"/>
-              </a:rPr>
-              <a:t>)  # note the mode!</a:t>
-            </a:r>
-          </a:p>
-          <a:p>
-            <a:endParaRPr lang="en-US" dirty="0">
-              <a:latin typeface="Monaco"/>
-              <a:cs typeface="Monaco"/>
-            </a:endParaRPr>
-          </a:p>
-          <a:p>
-            <a:r>
-              <a:rPr lang="en-US" dirty="0" smtClean="0">
-                <a:latin typeface="Monaco"/>
-                <a:cs typeface="Monaco"/>
-              </a:rPr>
-              <a:t># Write to the file with the </a:t>
-            </a:r>
-            <a:r>
-              <a:rPr lang="en-US" i="1" dirty="0" smtClean="0">
-                <a:latin typeface="Monaco"/>
-                <a:cs typeface="Monaco"/>
-              </a:rPr>
-              <a:t>.write()</a:t>
-            </a:r>
-            <a:r>
-              <a:rPr lang="en-US" dirty="0">
-                <a:latin typeface="Monaco"/>
-                <a:cs typeface="Monaco"/>
-              </a:rPr>
-              <a:t> </a:t>
-            </a:r>
-            <a:r>
-              <a:rPr lang="en-US" dirty="0" smtClean="0">
-                <a:latin typeface="Monaco"/>
-                <a:cs typeface="Monaco"/>
-              </a:rPr>
-              <a:t>method</a:t>
-            </a:r>
-          </a:p>
-          <a:p>
-            <a:r>
-              <a:rPr lang="en-US" dirty="0" smtClean="0">
-                <a:latin typeface="Monaco"/>
-                <a:cs typeface="Monaco"/>
-              </a:rPr>
-              <a:t>file_handle</a:t>
-            </a:r>
-            <a:r>
-              <a:rPr lang="en-US" dirty="0" smtClean="0">
-                <a:solidFill>
-                  <a:schemeClr val="accent5"/>
-                </a:solidFill>
-                <a:latin typeface="Monaco"/>
-                <a:cs typeface="Monaco"/>
-              </a:rPr>
-              <a:t>.write(</a:t>
-            </a:r>
-            <a:r>
-              <a:rPr lang="en-US" dirty="0" smtClean="0">
-                <a:latin typeface="Monaco"/>
-                <a:cs typeface="Monaco"/>
-              </a:rPr>
-              <a:t>"Adding this line to the file.</a:t>
-            </a:r>
-            <a:r>
-              <a:rPr lang="en-US" dirty="0" smtClean="0">
-                <a:solidFill>
-                  <a:srgbClr val="D1282E"/>
-                </a:solidFill>
-                <a:latin typeface="Monaco"/>
-                <a:cs typeface="Monaco"/>
-              </a:rPr>
-              <a:t>\n</a:t>
-            </a:r>
-            <a:r>
-              <a:rPr lang="en-US" dirty="0" smtClean="0">
-                <a:latin typeface="Monaco"/>
-                <a:cs typeface="Monaco"/>
-              </a:rPr>
-              <a:t>"</a:t>
-            </a:r>
-            <a:r>
-              <a:rPr lang="en-US" dirty="0" smtClean="0">
-                <a:solidFill>
-                  <a:schemeClr val="accent5"/>
-                </a:solidFill>
-                <a:latin typeface="Monaco"/>
-                <a:cs typeface="Monaco"/>
-              </a:rPr>
-              <a:t>)</a:t>
-            </a:r>
-          </a:p>
-          <a:p>
-            <a:endParaRPr lang="en-US" dirty="0">
-              <a:latin typeface="Monaco"/>
-              <a:cs typeface="Monaco"/>
-            </a:endParaRPr>
-          </a:p>
-          <a:p>
-            <a:r>
-              <a:rPr lang="en-US" dirty="0" smtClean="0">
-                <a:latin typeface="Monaco"/>
-                <a:cs typeface="Monaco"/>
-              </a:rPr>
-              <a:t># Close the file when done with the </a:t>
-            </a:r>
-            <a:r>
-              <a:rPr lang="en-US" i="1" dirty="0" smtClean="0">
-                <a:latin typeface="Monaco"/>
-                <a:cs typeface="Monaco"/>
-              </a:rPr>
-              <a:t>.close()</a:t>
-            </a:r>
-            <a:r>
-              <a:rPr lang="en-US" dirty="0" smtClean="0">
-                <a:latin typeface="Monaco"/>
-                <a:cs typeface="Monaco"/>
-              </a:rPr>
-              <a:t> method (!!!)</a:t>
-            </a:r>
-          </a:p>
-          <a:p>
-            <a:r>
-              <a:rPr lang="en-US" dirty="0" smtClean="0">
-                <a:latin typeface="Monaco"/>
-                <a:cs typeface="Monaco"/>
-              </a:rPr>
-              <a:t>file_handle</a:t>
-            </a:r>
-            <a:r>
-              <a:rPr lang="en-US" dirty="0" smtClean="0">
-                <a:solidFill>
-                  <a:srgbClr val="DC5924"/>
-                </a:solidFill>
-                <a:latin typeface="Monaco"/>
-                <a:cs typeface="Monaco"/>
-              </a:rPr>
-              <a:t>.close()</a:t>
-            </a:r>
-          </a:p>
-          <a:p>
-            <a:endParaRPr lang="en-US" dirty="0" smtClean="0">
-              <a:latin typeface="Monaco"/>
-              <a:cs typeface="Monaco"/>
-            </a:endParaRPr>
-          </a:p>
-        </p:txBody>
-      </p:sp>
-    </p:spTree>
-    <p:extLst>
-      <p:ext uri="{BB962C8B-B14F-4D97-AF65-F5344CB8AC3E}">
-        <p14:creationId xmlns:p14="http://schemas.microsoft.com/office/powerpoint/2010/main" val="2003851210"/>
-      </p:ext>
-    </p:extLst>
-  </p:cSld>
-  <p:clrMapOvr>
-    <a:masterClrMapping/>
-  </p:clrMapOvr>
-  <p:timing>
-    <p:tnLst>
-      <p:par>
-        <p:cTn xmlns:p14="http://schemas.microsoft.com/office/powerpoint/2010/main" id="1" dur="indefinite" restart="never" nodeType="tmRoot"/>
-      </p:par>
-    </p:tnLst>
-  </p:timing>
-</p:sld>
-</file>
-
-<file path=ppt/slides/slide42.xml><?xml version="1.0" encoding="utf-8"?>
-<p:sld xmlns:a="http://schemas.openxmlformats.org/drawingml/2006/main" xmlns:r="http://schemas.openxmlformats.org/officeDocument/2006/relationships" xmlns:p="http://schemas.openxmlformats.org/presentationml/2006/main">
-  <p:cSld>
-    <p:spTree>
-      <p:nvGrpSpPr>
-        <p:cNvPr id="1" name=""/>
-        <p:cNvGrpSpPr/>
-        <p:nvPr/>
-      </p:nvGrpSpPr>
-      <p:grpSpPr>
-        <a:xfrm>
-          <a:off x="0" y="0"/>
-          <a:ext cx="0" cy="0"/>
-          <a:chOff x="0" y="0"/>
-          <a:chExt cx="0" cy="0"/>
-        </a:xfrm>
-      </p:grpSpPr>
-      <p:sp>
-        <p:nvSpPr>
-          <p:cNvPr id="2" name="Title 1"/>
-          <p:cNvSpPr>
-            <a:spLocks noGrp="1"/>
-          </p:cNvSpPr>
-          <p:nvPr>
-            <p:ph type="title"/>
-          </p:nvPr>
-        </p:nvSpPr>
-        <p:spPr/>
-        <p:txBody>
-          <a:bodyPr/>
-          <a:lstStyle/>
-          <a:p>
-            <a:r>
-              <a:rPr lang="en-US" dirty="0" smtClean="0"/>
-              <a:t>but </a:t>
-            </a:r>
-            <a:r>
-              <a:rPr lang="en-US" dirty="0" err="1" smtClean="0"/>
-              <a:t>stephanie</a:t>
-            </a:r>
-            <a:r>
-              <a:rPr lang="en-US" dirty="0" smtClean="0"/>
-              <a:t>, I'm really lazy!</a:t>
-            </a:r>
-            <a:endParaRPr lang="en-US" dirty="0"/>
-          </a:p>
-        </p:txBody>
-      </p:sp>
-      <p:sp>
-        <p:nvSpPr>
-          <p:cNvPr id="7" name="TextBox 6"/>
-          <p:cNvSpPr txBox="1"/>
-          <p:nvPr/>
-        </p:nvSpPr>
-        <p:spPr>
-          <a:xfrm>
-            <a:off x="457199" y="2009989"/>
-            <a:ext cx="8338444" cy="2123658"/>
-          </a:xfrm>
-          <a:prstGeom prst="rect">
-            <a:avLst/>
-          </a:prstGeom>
-          <a:noFill/>
-        </p:spPr>
-        <p:txBody>
-          <a:bodyPr wrap="square" rtlCol="0">
-            <a:spAutoFit/>
-          </a:bodyPr>
-          <a:lstStyle/>
-          <a:p>
-            <a:r>
-              <a:rPr lang="en-US" sz="2200" dirty="0" smtClean="0">
-                <a:latin typeface="Monaco"/>
-                <a:cs typeface="Monaco"/>
-              </a:rPr>
-              <a:t># Use open and close</a:t>
-            </a:r>
-            <a:endParaRPr lang="en-US" sz="2200" dirty="0">
-              <a:latin typeface="Monaco"/>
-              <a:cs typeface="Monaco"/>
-            </a:endParaRPr>
-          </a:p>
-          <a:p>
-            <a:r>
-              <a:rPr lang="en-US" sz="2200" dirty="0" smtClean="0">
-                <a:latin typeface="Monaco"/>
-                <a:cs typeface="Monaco"/>
-              </a:rPr>
-              <a:t>file_handle = open(filename, "r")</a:t>
-            </a:r>
-          </a:p>
-          <a:p>
-            <a:r>
-              <a:rPr lang="en-US" sz="2200" dirty="0" smtClean="0">
-                <a:latin typeface="Monaco"/>
-                <a:cs typeface="Monaco"/>
-              </a:rPr>
-              <a:t>file_handle.close()</a:t>
-            </a:r>
-          </a:p>
-          <a:p>
-            <a:endParaRPr lang="en-US" sz="2200" dirty="0">
-              <a:latin typeface="Monaco"/>
-              <a:cs typeface="Monaco"/>
-            </a:endParaRPr>
-          </a:p>
-          <a:p>
-            <a:endParaRPr lang="en-US" sz="2200" dirty="0" smtClean="0">
-              <a:latin typeface="Monaco"/>
-              <a:cs typeface="Monaco"/>
-            </a:endParaRPr>
-          </a:p>
-          <a:p>
-            <a:endParaRPr lang="en-US" sz="2200" dirty="0" smtClean="0">
-              <a:latin typeface="Monaco"/>
-              <a:cs typeface="Monaco"/>
-            </a:endParaRPr>
-          </a:p>
-        </p:txBody>
-      </p:sp>
-    </p:spTree>
-    <p:extLst>
-      <p:ext uri="{BB962C8B-B14F-4D97-AF65-F5344CB8AC3E}">
-        <p14:creationId xmlns:p14="http://schemas.microsoft.com/office/powerpoint/2010/main" val="842489509"/>
-      </p:ext>
-    </p:extLst>
-  </p:cSld>
-  <p:clrMapOvr>
-    <a:masterClrMapping/>
-  </p:clrMapOvr>
-  <p:timing>
-    <p:tnLst>
-      <p:par>
-        <p:cTn xmlns:p14="http://schemas.microsoft.com/office/powerpoint/2010/main" id="1" dur="indefinite" restart="never" nodeType="tmRoot"/>
-      </p:par>
-    </p:tnLst>
-  </p:timing>
-</p:sld>
-</file>
-
-<file path=ppt/slides/slide43.xml><?xml version="1.0" encoding="utf-8"?>
-<p:sld xmlns:a="http://schemas.openxmlformats.org/drawingml/2006/main" xmlns:r="http://schemas.openxmlformats.org/officeDocument/2006/relationships" xmlns:p="http://schemas.openxmlformats.org/presentationml/2006/main">
-  <p:cSld>
-    <p:spTree>
-      <p:nvGrpSpPr>
-        <p:cNvPr id="1" name=""/>
-        <p:cNvGrpSpPr/>
-        <p:nvPr/>
-      </p:nvGrpSpPr>
-      <p:grpSpPr>
-        <a:xfrm>
-          <a:off x="0" y="0"/>
-          <a:ext cx="0" cy="0"/>
-          <a:chOff x="0" y="0"/>
-          <a:chExt cx="0" cy="0"/>
-        </a:xfrm>
-      </p:grpSpPr>
-      <p:sp>
-        <p:nvSpPr>
-          <p:cNvPr id="2" name="Title 1"/>
-          <p:cNvSpPr>
-            <a:spLocks noGrp="1"/>
-          </p:cNvSpPr>
-          <p:nvPr>
-            <p:ph type="title"/>
-          </p:nvPr>
-        </p:nvSpPr>
-        <p:spPr/>
-        <p:txBody>
-          <a:bodyPr/>
-          <a:lstStyle/>
-          <a:p>
-            <a:r>
-              <a:rPr lang="en-US" dirty="0" smtClean="0"/>
-              <a:t>but </a:t>
-            </a:r>
-            <a:r>
-              <a:rPr lang="en-US" dirty="0" err="1" smtClean="0"/>
-              <a:t>stephanie</a:t>
-            </a:r>
-            <a:r>
-              <a:rPr lang="en-US" dirty="0" smtClean="0"/>
-              <a:t>, I'm really lazy!</a:t>
-            </a:r>
-            <a:endParaRPr lang="en-US" dirty="0"/>
-          </a:p>
-        </p:txBody>
-      </p:sp>
-      <p:sp>
-        <p:nvSpPr>
-          <p:cNvPr id="7" name="TextBox 6"/>
-          <p:cNvSpPr txBox="1"/>
-          <p:nvPr/>
-        </p:nvSpPr>
-        <p:spPr>
-          <a:xfrm>
-            <a:off x="457199" y="2009989"/>
-            <a:ext cx="8338444" cy="3477875"/>
-          </a:xfrm>
-          <a:prstGeom prst="rect">
-            <a:avLst/>
-          </a:prstGeom>
-          <a:noFill/>
-        </p:spPr>
-        <p:txBody>
-          <a:bodyPr wrap="square" rtlCol="0">
-            <a:spAutoFit/>
-          </a:bodyPr>
-          <a:lstStyle/>
-          <a:p>
-            <a:r>
-              <a:rPr lang="en-US" sz="2200" dirty="0" smtClean="0">
-                <a:latin typeface="Monaco"/>
-                <a:cs typeface="Monaco"/>
-              </a:rPr>
-              <a:t># Use open and close</a:t>
-            </a:r>
-            <a:endParaRPr lang="en-US" sz="2200" dirty="0">
-              <a:latin typeface="Monaco"/>
-              <a:cs typeface="Monaco"/>
-            </a:endParaRPr>
-          </a:p>
-          <a:p>
-            <a:r>
-              <a:rPr lang="en-US" sz="2200" dirty="0" smtClean="0">
-                <a:latin typeface="Monaco"/>
-                <a:cs typeface="Monaco"/>
-              </a:rPr>
-              <a:t>file_handle = open(filename, "r")</a:t>
-            </a:r>
-          </a:p>
-          <a:p>
-            <a:r>
-              <a:rPr lang="en-US" sz="2200" dirty="0" smtClean="0">
-                <a:latin typeface="Monaco"/>
-                <a:cs typeface="Monaco"/>
-              </a:rPr>
-              <a:t>file_handle.close()</a:t>
-            </a:r>
-          </a:p>
-          <a:p>
-            <a:endParaRPr lang="en-US" sz="2200" dirty="0">
-              <a:latin typeface="Monaco"/>
-              <a:cs typeface="Monaco"/>
-            </a:endParaRPr>
-          </a:p>
-          <a:p>
-            <a:endParaRPr lang="en-US" sz="2200" dirty="0" smtClean="0">
-              <a:latin typeface="Monaco"/>
-              <a:cs typeface="Monaco"/>
-            </a:endParaRPr>
-          </a:p>
-          <a:p>
-            <a:endParaRPr lang="en-US" sz="2200" dirty="0" smtClean="0">
-              <a:latin typeface="Monaco"/>
-              <a:cs typeface="Monaco"/>
-            </a:endParaRPr>
-          </a:p>
-          <a:p>
-            <a:r>
-              <a:rPr lang="en-US" sz="2200" dirty="0" smtClean="0">
-                <a:latin typeface="Monaco"/>
-                <a:cs typeface="Monaco"/>
-              </a:rPr>
-              <a:t># Use </a:t>
-            </a:r>
-            <a:r>
-              <a:rPr lang="en-US" sz="2200" i="1" dirty="0" smtClean="0">
-                <a:solidFill>
-                  <a:srgbClr val="DC5924"/>
-                </a:solidFill>
-                <a:latin typeface="Monaco"/>
-                <a:cs typeface="Monaco"/>
-              </a:rPr>
-              <a:t>with</a:t>
-            </a:r>
-            <a:r>
-              <a:rPr lang="en-US" sz="2200" i="1" dirty="0" smtClean="0">
-                <a:latin typeface="Monaco"/>
-                <a:cs typeface="Monaco"/>
-              </a:rPr>
-              <a:t> control-flow </a:t>
-            </a:r>
-            <a:r>
-              <a:rPr lang="en-US" sz="2200" dirty="0" smtClean="0">
-                <a:latin typeface="Monaco"/>
-                <a:cs typeface="Monaco"/>
-              </a:rPr>
-              <a:t>(no need for close!)</a:t>
-            </a:r>
-          </a:p>
-          <a:p>
-            <a:r>
-              <a:rPr lang="en-US" sz="2200" dirty="0" smtClean="0">
-                <a:solidFill>
-                  <a:schemeClr val="accent5"/>
-                </a:solidFill>
-                <a:latin typeface="Monaco"/>
-                <a:cs typeface="Monaco"/>
-              </a:rPr>
-              <a:t>with</a:t>
-            </a:r>
-            <a:r>
-              <a:rPr lang="en-US" sz="2200" dirty="0" smtClean="0">
-                <a:latin typeface="Monaco"/>
-                <a:cs typeface="Monaco"/>
-              </a:rPr>
-              <a:t> open(filename, "r") </a:t>
-            </a:r>
-            <a:r>
-              <a:rPr lang="en-US" sz="2200" dirty="0" smtClean="0">
-                <a:solidFill>
-                  <a:schemeClr val="accent5"/>
-                </a:solidFill>
-                <a:latin typeface="Monaco"/>
-                <a:cs typeface="Monaco"/>
-              </a:rPr>
-              <a:t>as</a:t>
-            </a:r>
-            <a:r>
-              <a:rPr lang="en-US" sz="2200" dirty="0" smtClean="0">
-                <a:latin typeface="Monaco"/>
-                <a:cs typeface="Monaco"/>
-              </a:rPr>
-              <a:t> file_handle:</a:t>
-            </a:r>
-          </a:p>
-          <a:p>
-            <a:r>
-              <a:rPr lang="en-US" sz="2200" dirty="0" smtClean="0">
-                <a:latin typeface="Monaco"/>
-                <a:cs typeface="Monaco"/>
-              </a:rPr>
-              <a:t>	# do stuff to file_handle</a:t>
-            </a:r>
-          </a:p>
-          <a:p>
-            <a:endParaRPr lang="en-US" sz="2200" dirty="0" smtClean="0">
-              <a:latin typeface="Monaco"/>
-              <a:cs typeface="Monaco"/>
-            </a:endParaRPr>
-          </a:p>
-        </p:txBody>
-      </p:sp>
-      <p:sp>
-        <p:nvSpPr>
-          <p:cNvPr id="8" name="Rectangle 7"/>
-          <p:cNvSpPr/>
-          <p:nvPr/>
-        </p:nvSpPr>
-        <p:spPr>
-          <a:xfrm>
-            <a:off x="581850" y="4729844"/>
-            <a:ext cx="374620" cy="348665"/>
-          </a:xfrm>
-          <a:prstGeom prst="rect">
-            <a:avLst/>
-          </a:prstGeom>
-          <a:noFill/>
-          <a:ln w="28575" cmpd="sng">
-            <a:solidFill>
-              <a:schemeClr val="accent2"/>
-            </a:solidFill>
-          </a:ln>
-          <a:effectLst/>
-        </p:spPr>
-        <p:style>
-          <a:lnRef idx="1">
-            <a:schemeClr val="accent1"/>
-          </a:lnRef>
-          <a:fillRef idx="3">
-            <a:schemeClr val="accent1"/>
-          </a:fillRef>
-          <a:effectRef idx="2">
-            <a:schemeClr val="accent1"/>
-          </a:effectRef>
-          <a:fontRef idx="minor">
-            <a:schemeClr val="lt1"/>
-          </a:fontRef>
-        </p:style>
-        <p:txBody>
-          <a:bodyPr rtlCol="0" anchor="ctr"/>
-          <a:lstStyle/>
-          <a:p>
-            <a:pPr algn="ctr"/>
-            <a:endParaRPr lang="en-US"/>
-          </a:p>
-        </p:txBody>
-      </p:sp>
-      <p:sp>
-        <p:nvSpPr>
-          <p:cNvPr id="9" name="Rectangle 8"/>
-          <p:cNvSpPr/>
-          <p:nvPr/>
-        </p:nvSpPr>
-        <p:spPr>
-          <a:xfrm>
-            <a:off x="7099104" y="4467907"/>
-            <a:ext cx="170141" cy="261937"/>
-          </a:xfrm>
-          <a:prstGeom prst="rect">
-            <a:avLst/>
-          </a:prstGeom>
-          <a:noFill/>
-          <a:ln w="28575" cmpd="sng">
-            <a:solidFill>
-              <a:schemeClr val="accent2"/>
-            </a:solidFill>
-          </a:ln>
-          <a:effectLst/>
-        </p:spPr>
-        <p:style>
-          <a:lnRef idx="1">
-            <a:schemeClr val="accent1"/>
-          </a:lnRef>
-          <a:fillRef idx="3">
-            <a:schemeClr val="accent1"/>
-          </a:fillRef>
-          <a:effectRef idx="2">
-            <a:schemeClr val="accent1"/>
-          </a:effectRef>
-          <a:fontRef idx="minor">
-            <a:schemeClr val="lt1"/>
-          </a:fontRef>
-        </p:style>
-        <p:txBody>
-          <a:bodyPr rtlCol="0" anchor="ctr"/>
-          <a:lstStyle/>
-          <a:p>
-            <a:pPr algn="ctr"/>
-            <a:endParaRPr lang="en-US"/>
-          </a:p>
-        </p:txBody>
-      </p:sp>
-    </p:spTree>
-    <p:extLst>
-      <p:ext uri="{BB962C8B-B14F-4D97-AF65-F5344CB8AC3E}">
-        <p14:creationId xmlns:p14="http://schemas.microsoft.com/office/powerpoint/2010/main" val="4012978888"/>
-      </p:ext>
-    </p:extLst>
-  </p:cSld>
-  <p:clrMapOvr>
-    <a:masterClrMapping/>
-  </p:clrMapOvr>
-  <p:timing>
-    <p:tnLst>
-      <p:par>
-        <p:cTn xmlns:p14="http://schemas.microsoft.com/office/powerpoint/2010/main" id="1" dur="indefinite" restart="never" nodeType="tmRoot">
-          <p:childTnLst>
-            <p:seq concurrent="1" nextAc="seek">
-              <p:cTn id="2" dur="indefinite" nodeType="mainSeq">
-                <p:childTnLst>
-                  <p:par>
-                    <p:cTn id="3" fill="hold">
-                      <p:stCondLst>
-                        <p:cond delay="indefinite"/>
-                      </p:stCondLst>
-                      <p:childTnLst>
-                        <p:par>
-                          <p:cTn id="4" fill="hold">
-                            <p:stCondLst>
-                              <p:cond delay="0"/>
-                            </p:stCondLst>
-                            <p:childTnLst>
-                              <p:par>
-                                <p:cTn id="5" presetID="1" presetClass="entr" presetSubtype="0" fill="hold" grpId="0" nodeType="clickEffect">
-                                  <p:stCondLst>
-                                    <p:cond delay="0"/>
-                                  </p:stCondLst>
-                                  <p:childTnLst>
-                                    <p:set>
-                                      <p:cBhvr>
-                                        <p:cTn id="6" dur="1" fill="hold">
-                                          <p:stCondLst>
-                                            <p:cond delay="0"/>
-                                          </p:stCondLst>
-                                        </p:cTn>
-                                        <p:tgtEl>
-                                          <p:spTgt spid="8"/>
-                                        </p:tgtEl>
-                                        <p:attrNameLst>
-                                          <p:attrName>style.visibility</p:attrName>
-                                        </p:attrNameLst>
-                                      </p:cBhvr>
-                                      <p:to>
-                                        <p:strVal val="visible"/>
-                                      </p:to>
-                                    </p:set>
-                                  </p:childTnLst>
-                                </p:cTn>
-                              </p:par>
-                              <p:par>
-                                <p:cTn id="7" presetID="1" presetClass="entr" presetSubtype="0" fill="hold" grpId="0" nodeType="withEffect">
-                                  <p:stCondLst>
-                                    <p:cond delay="0"/>
-                                  </p:stCondLst>
-                                  <p:childTnLst>
-                                    <p:set>
-                                      <p:cBhvr>
-                                        <p:cTn id="8" dur="1" fill="hold">
-                                          <p:stCondLst>
-                                            <p:cond delay="0"/>
-                                          </p:stCondLst>
-                                        </p:cTn>
-                                        <p:tgtEl>
-                                          <p:spTgt spid="9"/>
-                                        </p:tgtEl>
-                                        <p:attrNameLst>
-                                          <p:attrName>style.visibility</p:attrName>
-                                        </p:attrNameLst>
-                                      </p:cBhvr>
-                                      <p:to>
-                                        <p:strVal val="visible"/>
-                                      </p:to>
-                                    </p:set>
-                                  </p:childTnLst>
-                                </p:cTn>
-                              </p:par>
-                            </p:childTnLst>
-                          </p:cTn>
-                        </p:par>
-                      </p:childTnLst>
-                    </p:cTn>
-                  </p:par>
-                </p:childTnLst>
-              </p:cTn>
-              <p:prevCondLst>
-                <p:cond evt="onPrev" delay="0">
-                  <p:tgtEl>
-                    <p:sldTgt/>
-                  </p:tgtEl>
-                </p:cond>
-              </p:prevCondLst>
-              <p:nextCondLst>
-                <p:cond evt="onNext" delay="0">
-                  <p:tgtEl>
-                    <p:sldTgt/>
-                  </p:tgtEl>
-                </p:cond>
-              </p:nextCondLst>
-            </p:seq>
-          </p:childTnLst>
-        </p:cTn>
-      </p:par>
-    </p:tnLst>
-    <p:bldLst>
-      <p:bldP spid="8" grpId="0" animBg="1"/>
-      <p:bldP spid="9" grpId="0" animBg="1"/>
-    </p:bldLst>
-  </p:timing>
-</p:sld>
-</file>
-
-<file path=ppt/slides/slide44.xml><?xml version="1.0" encoding="utf-8"?>
-<p:sld xmlns:a="http://schemas.openxmlformats.org/drawingml/2006/main" xmlns:r="http://schemas.openxmlformats.org/officeDocument/2006/relationships" xmlns:p="http://schemas.openxmlformats.org/presentationml/2006/main">
-  <p:cSld>
-    <p:spTree>
-      <p:nvGrpSpPr>
-        <p:cNvPr id="1" name=""/>
-        <p:cNvGrpSpPr/>
-        <p:nvPr/>
-      </p:nvGrpSpPr>
-      <p:grpSpPr>
-        <a:xfrm>
-          <a:off x="0" y="0"/>
-          <a:ext cx="0" cy="0"/>
-          <a:chOff x="0" y="0"/>
-          <a:chExt cx="0" cy="0"/>
-        </a:xfrm>
-      </p:grpSpPr>
-      <p:sp>
-        <p:nvSpPr>
-          <p:cNvPr id="2" name="Title 1"/>
-          <p:cNvSpPr>
-            <a:spLocks noGrp="1"/>
-          </p:cNvSpPr>
-          <p:nvPr>
-            <p:ph type="title"/>
-          </p:nvPr>
-        </p:nvSpPr>
-        <p:spPr/>
-        <p:txBody>
-          <a:bodyPr/>
-          <a:lstStyle/>
-          <a:p>
-            <a:r>
-              <a:rPr lang="en-US" dirty="0" smtClean="0"/>
-              <a:t>remember file paths!!</a:t>
-            </a:r>
-            <a:endParaRPr lang="en-US" dirty="0"/>
-          </a:p>
-        </p:txBody>
-      </p:sp>
-      <p:sp>
-        <p:nvSpPr>
-          <p:cNvPr id="4" name="TextBox 3"/>
-          <p:cNvSpPr txBox="1"/>
-          <p:nvPr/>
-        </p:nvSpPr>
-        <p:spPr>
-          <a:xfrm>
-            <a:off x="457199" y="1558432"/>
-            <a:ext cx="8338444" cy="2585323"/>
-          </a:xfrm>
-          <a:prstGeom prst="rect">
-            <a:avLst/>
-          </a:prstGeom>
-          <a:noFill/>
-        </p:spPr>
-        <p:txBody>
-          <a:bodyPr wrap="square" rtlCol="0">
-            <a:spAutoFit/>
-          </a:bodyPr>
-          <a:lstStyle/>
-          <a:p>
-            <a:endParaRPr lang="en-US" dirty="0" smtClean="0">
-              <a:latin typeface="Monaco"/>
-              <a:cs typeface="Monaco"/>
-            </a:endParaRPr>
-          </a:p>
-          <a:p>
-            <a:endParaRPr lang="en-US" dirty="0">
-              <a:latin typeface="Monaco"/>
-              <a:cs typeface="Monaco"/>
-            </a:endParaRPr>
-          </a:p>
-          <a:p>
-            <a:endParaRPr lang="en-US" dirty="0" smtClean="0">
-              <a:latin typeface="Monaco"/>
-              <a:cs typeface="Monaco"/>
-            </a:endParaRPr>
-          </a:p>
-          <a:p>
-            <a:r>
-              <a:rPr lang="en-US" dirty="0" smtClean="0">
-                <a:latin typeface="Monaco"/>
-                <a:cs typeface="Monaco"/>
-              </a:rPr>
-              <a:t>filename = "</a:t>
-            </a:r>
-            <a:r>
-              <a:rPr lang="en-US" dirty="0" err="1" smtClean="0">
-                <a:latin typeface="Monaco"/>
-                <a:cs typeface="Monaco"/>
-              </a:rPr>
-              <a:t>my_file.txt</a:t>
-            </a:r>
-            <a:r>
-              <a:rPr lang="en-US" dirty="0" smtClean="0">
-                <a:latin typeface="Monaco"/>
-                <a:cs typeface="Monaco"/>
-              </a:rPr>
-              <a:t>"</a:t>
-            </a:r>
-          </a:p>
-          <a:p>
-            <a:endParaRPr lang="en-US" dirty="0">
-              <a:latin typeface="Monaco"/>
-              <a:cs typeface="Monaco"/>
-            </a:endParaRPr>
-          </a:p>
-          <a:p>
-            <a:r>
-              <a:rPr lang="en-US" dirty="0" smtClean="0">
-                <a:latin typeface="Monaco"/>
-                <a:cs typeface="Monaco"/>
-              </a:rPr>
-              <a:t>file_handle = open(filename, "r")</a:t>
-            </a:r>
-          </a:p>
-          <a:p>
-            <a:r>
-              <a:rPr lang="en-US" dirty="0" smtClean="0">
-                <a:solidFill>
-                  <a:schemeClr val="tx2"/>
-                </a:solidFill>
-                <a:latin typeface="Monaco"/>
-                <a:cs typeface="Monaco"/>
-              </a:rPr>
-              <a:t>	</a:t>
-            </a:r>
-            <a:r>
-              <a:rPr lang="en-US" dirty="0" err="1" smtClean="0">
-                <a:solidFill>
-                  <a:schemeClr val="tx2"/>
-                </a:solidFill>
-                <a:latin typeface="Monaco"/>
-                <a:cs typeface="Monaco"/>
-              </a:rPr>
-              <a:t>IOError</a:t>
-            </a:r>
-            <a:r>
-              <a:rPr lang="en-US" dirty="0">
-                <a:solidFill>
-                  <a:schemeClr val="tx2"/>
-                </a:solidFill>
-                <a:latin typeface="Monaco"/>
-                <a:cs typeface="Monaco"/>
-              </a:rPr>
-              <a:t>: [</a:t>
-            </a:r>
-            <a:r>
-              <a:rPr lang="en-US" dirty="0" err="1">
-                <a:solidFill>
-                  <a:schemeClr val="tx2"/>
-                </a:solidFill>
-                <a:latin typeface="Monaco"/>
-                <a:cs typeface="Monaco"/>
-              </a:rPr>
-              <a:t>Errno</a:t>
-            </a:r>
-            <a:r>
-              <a:rPr lang="en-US" dirty="0">
-                <a:solidFill>
-                  <a:schemeClr val="tx2"/>
-                </a:solidFill>
-                <a:latin typeface="Monaco"/>
-                <a:cs typeface="Monaco"/>
-              </a:rPr>
-              <a:t> 2] No such file or directory: '</a:t>
-            </a:r>
-            <a:r>
-              <a:rPr lang="en-US" dirty="0" err="1" smtClean="0">
-                <a:solidFill>
-                  <a:schemeClr val="tx2"/>
-                </a:solidFill>
-                <a:latin typeface="Monaco"/>
-                <a:cs typeface="Monaco"/>
-              </a:rPr>
-              <a:t>my_file.txt</a:t>
-            </a:r>
-            <a:r>
-              <a:rPr lang="en-US" dirty="0">
-                <a:solidFill>
-                  <a:schemeClr val="tx2"/>
-                </a:solidFill>
-                <a:latin typeface="Monaco"/>
-                <a:cs typeface="Monaco"/>
-              </a:rPr>
-              <a:t>'</a:t>
-            </a:r>
-          </a:p>
-          <a:p>
-            <a:endParaRPr lang="en-US" dirty="0" smtClean="0">
-              <a:latin typeface="Monaco"/>
-              <a:cs typeface="Monaco"/>
-            </a:endParaRPr>
-          </a:p>
-        </p:txBody>
-      </p:sp>
-    </p:spTree>
-    <p:extLst>
-      <p:ext uri="{BB962C8B-B14F-4D97-AF65-F5344CB8AC3E}">
-        <p14:creationId xmlns:p14="http://schemas.microsoft.com/office/powerpoint/2010/main" val="584140667"/>
-      </p:ext>
-    </p:extLst>
-  </p:cSld>
-  <p:clrMapOvr>
-    <a:masterClrMapping/>
-  </p:clrMapOvr>
-  <p:timing>
-    <p:tnLst>
-      <p:par>
-        <p:cTn xmlns:p14="http://schemas.microsoft.com/office/powerpoint/2010/main" id="1" dur="indefinite" restart="never" nodeType="tmRoot"/>
-      </p:par>
-    </p:tnLst>
-  </p:timing>
-</p:sld>
-</file>
-
-<file path=ppt/slides/slide45.xml><?xml version="1.0" encoding="utf-8"?>
-<p:sld xmlns:a="http://schemas.openxmlformats.org/drawingml/2006/main" xmlns:r="http://schemas.openxmlformats.org/officeDocument/2006/relationships" xmlns:p="http://schemas.openxmlformats.org/presentationml/2006/main">
-  <p:cSld>
-    <p:spTree>
-      <p:nvGrpSpPr>
-        <p:cNvPr id="1" name=""/>
-        <p:cNvGrpSpPr/>
-        <p:nvPr/>
-      </p:nvGrpSpPr>
-      <p:grpSpPr>
-        <a:xfrm>
-          <a:off x="0" y="0"/>
-          <a:ext cx="0" cy="0"/>
-          <a:chOff x="0" y="0"/>
-          <a:chExt cx="0" cy="0"/>
-        </a:xfrm>
-      </p:grpSpPr>
-      <p:sp>
-        <p:nvSpPr>
-          <p:cNvPr id="2" name="Title 1"/>
-          <p:cNvSpPr>
-            <a:spLocks noGrp="1"/>
-          </p:cNvSpPr>
-          <p:nvPr>
-            <p:ph type="title"/>
-          </p:nvPr>
-        </p:nvSpPr>
-        <p:spPr/>
-        <p:txBody>
-          <a:bodyPr/>
-          <a:lstStyle/>
-          <a:p>
-            <a:r>
-              <a:rPr lang="en-US" dirty="0" smtClean="0"/>
-              <a:t>remember file paths!!</a:t>
-            </a:r>
-            <a:endParaRPr lang="en-US" dirty="0"/>
-          </a:p>
-        </p:txBody>
-      </p:sp>
-      <p:sp>
-        <p:nvSpPr>
-          <p:cNvPr id="4" name="TextBox 3"/>
-          <p:cNvSpPr txBox="1"/>
-          <p:nvPr/>
-        </p:nvSpPr>
-        <p:spPr>
-          <a:xfrm>
-            <a:off x="457199" y="1558432"/>
-            <a:ext cx="8338444" cy="5078314"/>
-          </a:xfrm>
-          <a:prstGeom prst="rect">
-            <a:avLst/>
-          </a:prstGeom>
-          <a:noFill/>
-        </p:spPr>
-        <p:txBody>
-          <a:bodyPr wrap="square" rtlCol="0">
-            <a:spAutoFit/>
-          </a:bodyPr>
-          <a:lstStyle/>
-          <a:p>
-            <a:endParaRPr lang="en-US" dirty="0" smtClean="0">
-              <a:latin typeface="Monaco"/>
-              <a:cs typeface="Monaco"/>
-            </a:endParaRPr>
-          </a:p>
-          <a:p>
-            <a:endParaRPr lang="en-US" dirty="0">
-              <a:latin typeface="Monaco"/>
-              <a:cs typeface="Monaco"/>
-            </a:endParaRPr>
-          </a:p>
-          <a:p>
-            <a:endParaRPr lang="en-US" dirty="0" smtClean="0">
-              <a:latin typeface="Monaco"/>
-              <a:cs typeface="Monaco"/>
-            </a:endParaRPr>
-          </a:p>
-          <a:p>
-            <a:r>
-              <a:rPr lang="en-US" dirty="0" smtClean="0">
-                <a:latin typeface="Monaco"/>
-                <a:cs typeface="Monaco"/>
-              </a:rPr>
-              <a:t>filename = "</a:t>
-            </a:r>
-            <a:r>
-              <a:rPr lang="en-US" dirty="0" err="1" smtClean="0">
-                <a:latin typeface="Monaco"/>
-                <a:cs typeface="Monaco"/>
-              </a:rPr>
-              <a:t>my_file.txt</a:t>
-            </a:r>
-            <a:r>
-              <a:rPr lang="en-US" dirty="0" smtClean="0">
-                <a:latin typeface="Monaco"/>
-                <a:cs typeface="Monaco"/>
-              </a:rPr>
-              <a:t>"</a:t>
-            </a:r>
-          </a:p>
-          <a:p>
-            <a:endParaRPr lang="en-US" dirty="0">
-              <a:latin typeface="Monaco"/>
-              <a:cs typeface="Monaco"/>
-            </a:endParaRPr>
-          </a:p>
-          <a:p>
-            <a:r>
-              <a:rPr lang="en-US" dirty="0" smtClean="0">
-                <a:latin typeface="Monaco"/>
-                <a:cs typeface="Monaco"/>
-              </a:rPr>
-              <a:t>file_handle = open(filename, "r")</a:t>
-            </a:r>
-          </a:p>
-          <a:p>
-            <a:r>
-              <a:rPr lang="en-US" dirty="0" smtClean="0">
-                <a:solidFill>
-                  <a:schemeClr val="tx2"/>
-                </a:solidFill>
-                <a:latin typeface="Monaco"/>
-                <a:cs typeface="Monaco"/>
-              </a:rPr>
-              <a:t>	</a:t>
-            </a:r>
-            <a:r>
-              <a:rPr lang="en-US" dirty="0" err="1" smtClean="0">
-                <a:solidFill>
-                  <a:schemeClr val="tx2"/>
-                </a:solidFill>
-                <a:latin typeface="Monaco"/>
-                <a:cs typeface="Monaco"/>
-              </a:rPr>
-              <a:t>IOError</a:t>
-            </a:r>
-            <a:r>
-              <a:rPr lang="en-US" dirty="0">
-                <a:solidFill>
-                  <a:schemeClr val="tx2"/>
-                </a:solidFill>
-                <a:latin typeface="Monaco"/>
-                <a:cs typeface="Monaco"/>
-              </a:rPr>
-              <a:t>: [</a:t>
-            </a:r>
-            <a:r>
-              <a:rPr lang="en-US" dirty="0" err="1">
-                <a:solidFill>
-                  <a:schemeClr val="tx2"/>
-                </a:solidFill>
-                <a:latin typeface="Monaco"/>
-                <a:cs typeface="Monaco"/>
-              </a:rPr>
-              <a:t>Errno</a:t>
-            </a:r>
-            <a:r>
-              <a:rPr lang="en-US" dirty="0">
-                <a:solidFill>
-                  <a:schemeClr val="tx2"/>
-                </a:solidFill>
-                <a:latin typeface="Monaco"/>
-                <a:cs typeface="Monaco"/>
-              </a:rPr>
-              <a:t> 2] No such file or directory: '</a:t>
-            </a:r>
-            <a:r>
-              <a:rPr lang="en-US" dirty="0" err="1" smtClean="0">
-                <a:solidFill>
-                  <a:schemeClr val="tx2"/>
-                </a:solidFill>
-                <a:latin typeface="Monaco"/>
-                <a:cs typeface="Monaco"/>
-              </a:rPr>
-              <a:t>my_file.txt</a:t>
-            </a:r>
-            <a:r>
-              <a:rPr lang="en-US" dirty="0">
-                <a:solidFill>
-                  <a:schemeClr val="tx2"/>
-                </a:solidFill>
-                <a:latin typeface="Monaco"/>
-                <a:cs typeface="Monaco"/>
-              </a:rPr>
-              <a:t>'</a:t>
-            </a:r>
-          </a:p>
-          <a:p>
-            <a:endParaRPr lang="en-US" dirty="0">
-              <a:solidFill>
-                <a:schemeClr val="tx2"/>
-              </a:solidFill>
-              <a:latin typeface="Monaco"/>
-              <a:cs typeface="Monaco"/>
-            </a:endParaRPr>
-          </a:p>
-          <a:p>
-            <a:endParaRPr lang="en-US" dirty="0">
-              <a:solidFill>
-                <a:schemeClr val="tx2"/>
-              </a:solidFill>
-              <a:latin typeface="Monaco"/>
-              <a:cs typeface="Monaco"/>
-            </a:endParaRPr>
-          </a:p>
-          <a:p>
-            <a:r>
-              <a:rPr lang="en-US" dirty="0">
-                <a:latin typeface="Monaco"/>
-                <a:cs typeface="Monaco"/>
-              </a:rPr>
-              <a:t># Solution: include the full path!</a:t>
-            </a:r>
-          </a:p>
-          <a:p>
-            <a:endParaRPr lang="en-US" dirty="0">
-              <a:latin typeface="Monaco"/>
-              <a:cs typeface="Monaco"/>
-            </a:endParaRPr>
-          </a:p>
-          <a:p>
-            <a:r>
-              <a:rPr lang="en-US" dirty="0">
-                <a:latin typeface="Monaco"/>
-                <a:cs typeface="Monaco"/>
-              </a:rPr>
-              <a:t>filename = "my_file.txt"</a:t>
-            </a:r>
-          </a:p>
-          <a:p>
-            <a:r>
-              <a:rPr lang="en-US" dirty="0">
-                <a:latin typeface="Monaco"/>
-                <a:cs typeface="Monaco"/>
-              </a:rPr>
-              <a:t>path = "/path/to/files/"</a:t>
-            </a:r>
-          </a:p>
-          <a:p>
-            <a:endParaRPr lang="en-US" dirty="0">
-              <a:latin typeface="Monaco"/>
-              <a:cs typeface="Monaco"/>
-            </a:endParaRPr>
-          </a:p>
-          <a:p>
-            <a:r>
-              <a:rPr lang="en-US" dirty="0">
-                <a:latin typeface="Monaco"/>
-                <a:cs typeface="Monaco"/>
-              </a:rPr>
-              <a:t>file_handle = open(path + filename, "r")</a:t>
-            </a:r>
-          </a:p>
-          <a:p>
-            <a:endParaRPr lang="en-US" dirty="0">
-              <a:solidFill>
-                <a:schemeClr val="tx2"/>
-              </a:solidFill>
-              <a:latin typeface="Monaco"/>
-              <a:cs typeface="Monaco"/>
-            </a:endParaRPr>
-          </a:p>
-          <a:p>
-            <a:endParaRPr lang="en-US" dirty="0" smtClean="0">
-              <a:latin typeface="Monaco"/>
-              <a:cs typeface="Monaco"/>
-            </a:endParaRPr>
-          </a:p>
-        </p:txBody>
-      </p:sp>
-    </p:spTree>
-    <p:extLst>
-      <p:ext uri="{BB962C8B-B14F-4D97-AF65-F5344CB8AC3E}">
-        <p14:creationId xmlns:p14="http://schemas.microsoft.com/office/powerpoint/2010/main" val="1532704063"/>
-      </p:ext>
-    </p:extLst>
-  </p:cSld>
-  <p:clrMapOvr>
-    <a:masterClrMapping/>
-  </p:clrMapOvr>
-  <p:timing>
-    <p:tnLst>
-      <p:par>
-        <p:cTn xmlns:p14="http://schemas.microsoft.com/office/powerpoint/2010/main" id="1" dur="indefinite" restart="never" nodeType="tmRoot"/>
-      </p:par>
-    </p:tnLst>
-  </p:timing>
-</p:sld>
-</file>
-
-<file path=ppt/slides/slide46.xml><?xml version="1.0" encoding="utf-8"?>
-<p:sld xmlns:a="http://schemas.openxmlformats.org/drawingml/2006/main" xmlns:r="http://schemas.openxmlformats.org/officeDocument/2006/relationships" xmlns:p="http://schemas.openxmlformats.org/presentationml/2006/main">
-  <p:cSld>
-    <p:spTree>
-      <p:nvGrpSpPr>
-        <p:cNvPr id="1" name=""/>
-        <p:cNvGrpSpPr/>
-        <p:nvPr/>
-      </p:nvGrpSpPr>
-      <p:grpSpPr>
-        <a:xfrm>
-          <a:off x="0" y="0"/>
-          <a:ext cx="0" cy="0"/>
-          <a:chOff x="0" y="0"/>
-          <a:chExt cx="0" cy="0"/>
-        </a:xfrm>
-      </p:grpSpPr>
-      <p:sp>
-        <p:nvSpPr>
-          <p:cNvPr id="2" name="Title 1"/>
-          <p:cNvSpPr>
-            <a:spLocks noGrp="1"/>
-          </p:cNvSpPr>
-          <p:nvPr>
-            <p:ph type="title"/>
-          </p:nvPr>
-        </p:nvSpPr>
-        <p:spPr>
-          <a:xfrm>
-            <a:off x="2230714" y="3087537"/>
-            <a:ext cx="4688183" cy="692215"/>
-          </a:xfrm>
-        </p:spPr>
-        <p:txBody>
-          <a:bodyPr/>
-          <a:lstStyle/>
-          <a:p>
-            <a:r>
-              <a:rPr lang="en-US" dirty="0" smtClean="0"/>
-              <a:t>exercise break</a:t>
-            </a:r>
-            <a:endParaRPr lang="en-US" dirty="0"/>
-          </a:p>
-        </p:txBody>
-      </p:sp>
-    </p:spTree>
-    <p:extLst>
-      <p:ext uri="{BB962C8B-B14F-4D97-AF65-F5344CB8AC3E}">
-        <p14:creationId xmlns:p14="http://schemas.microsoft.com/office/powerpoint/2010/main" val="3668418713"/>
-      </p:ext>
-    </p:extLst>
-  </p:cSld>
-  <p:clrMapOvr>
-    <a:masterClrMapping/>
-  </p:clrMapOvr>
-  <p:timing>
-    <p:tnLst>
-      <p:par>
-        <p:cTn xmlns:p14="http://schemas.microsoft.com/office/powerpoint/2010/main" id="1" dur="indefinite" restart="never" nodeType="tmRoot"/>
-      </p:par>
-    </p:tnLst>
-  </p:timing>
-</p:sld>
-</file>
-
 <file path=ppt/slides/slide5.xml><?xml version="1.0" encoding="utf-8"?>
 <p:sld xmlns:a="http://schemas.openxmlformats.org/drawingml/2006/main" xmlns:r="http://schemas.openxmlformats.org/officeDocument/2006/relationships" xmlns:p="http://schemas.openxmlformats.org/presentationml/2006/main">
   <p:cSld>
@@ -18031,7 +13282,6 @@
               <a:rPr lang="en-US" dirty="0"/>
               <a:t>Defining new lists inside loops with .append()</a:t>
             </a:r>
-            <a:endParaRPr lang="en-US" dirty="0"/>
           </a:p>
         </p:txBody>
       </p:sp>
